--- a/Oral/talk/talk.pptx
+++ b/Oral/talk/talk.pptx
@@ -5,27 +5,28 @@
     <p:sldMasterId id="2147483648" r:id="rId1"/>
   </p:sldMasterIdLst>
   <p:notesMasterIdLst>
-    <p:notesMasterId r:id="rId17"/>
+    <p:notesMasterId r:id="rId18"/>
   </p:notesMasterIdLst>
   <p:handoutMasterIdLst>
-    <p:handoutMasterId r:id="rId18"/>
+    <p:handoutMasterId r:id="rId19"/>
   </p:handoutMasterIdLst>
   <p:sldIdLst>
     <p:sldId id="282" r:id="rId2"/>
     <p:sldId id="460" r:id="rId3"/>
     <p:sldId id="464" r:id="rId4"/>
-    <p:sldId id="474" r:id="rId5"/>
-    <p:sldId id="471" r:id="rId6"/>
-    <p:sldId id="468" r:id="rId7"/>
-    <p:sldId id="470" r:id="rId8"/>
-    <p:sldId id="473" r:id="rId9"/>
-    <p:sldId id="472" r:id="rId10"/>
-    <p:sldId id="469" r:id="rId11"/>
-    <p:sldId id="466" r:id="rId12"/>
-    <p:sldId id="467" r:id="rId13"/>
-    <p:sldId id="462" r:id="rId14"/>
-    <p:sldId id="465" r:id="rId15"/>
-    <p:sldId id="463" r:id="rId16"/>
+    <p:sldId id="475" r:id="rId5"/>
+    <p:sldId id="474" r:id="rId6"/>
+    <p:sldId id="471" r:id="rId7"/>
+    <p:sldId id="468" r:id="rId8"/>
+    <p:sldId id="470" r:id="rId9"/>
+    <p:sldId id="473" r:id="rId10"/>
+    <p:sldId id="472" r:id="rId11"/>
+    <p:sldId id="469" r:id="rId12"/>
+    <p:sldId id="466" r:id="rId13"/>
+    <p:sldId id="467" r:id="rId14"/>
+    <p:sldId id="462" r:id="rId15"/>
+    <p:sldId id="465" r:id="rId16"/>
+    <p:sldId id="463" r:id="rId17"/>
   </p:sldIdLst>
   <p:sldSz cx="9144000" cy="6858000" type="screen4x3"/>
   <p:notesSz cx="6858000" cy="9144000"/>
@@ -857,7 +858,10 @@
           <a:bodyPr/>
           <a:lstStyle/>
           <a:p>
-            <a:endParaRPr lang="en-US" baseline="0" dirty="0" smtClean="0"/>
+            <a:r>
+              <a:rPr lang="en-US" baseline="0" dirty="0" smtClean="0"/>
+              <a:t>Court, moyen et long terme</a:t>
+            </a:r>
           </a:p>
         </p:txBody>
       </p:sp>
@@ -1025,15 +1029,6 @@
           <a:bodyPr/>
           <a:lstStyle/>
           <a:p>
-            <a:r>
-              <a:rPr lang="en-US" baseline="0" dirty="0" smtClean="0"/>
-              <a:t>Paris Diderot (Sorbonne Paris Cité)</a:t>
-            </a:r>
-          </a:p>
-          <a:p>
-            <a:endParaRPr lang="en-US" baseline="0" dirty="0" smtClean="0"/>
-          </a:p>
-          <a:p>
             <a:endParaRPr lang="en-US" baseline="0" dirty="0" smtClean="0"/>
           </a:p>
         </p:txBody>
@@ -1120,97 +1115,8 @@
           <a:p>
             <a:r>
               <a:rPr lang="en-US" baseline="0" dirty="0" smtClean="0"/>
-              <a:t>Applet en ligne</a:t>
-            </a:r>
-          </a:p>
-          <a:p>
-            <a:endParaRPr lang="en-US" baseline="0" dirty="0" smtClean="0"/>
-          </a:p>
-          <a:p>
-            <a:r>
-              <a:rPr lang="en-US" baseline="0" dirty="0" smtClean="0"/>
-              <a:t>L1 :</a:t>
-            </a:r>
-          </a:p>
-          <a:p>
-            <a:r>
-              <a:rPr lang="en-US" baseline="0" dirty="0" smtClean="0"/>
-              <a:t>	- notion de potentiel</a:t>
-            </a:r>
-          </a:p>
-          <a:p>
-            <a:r>
-              <a:rPr lang="en-US" baseline="0" dirty="0" smtClean="0"/>
-              <a:t>	- référentiels et forces non-inertielles</a:t>
-            </a:r>
-          </a:p>
-          <a:p>
-            <a:r>
-              <a:rPr lang="en-US" baseline="0" dirty="0" smtClean="0"/>
-              <a:t>	- points d’équilibre et stabilité</a:t>
-            </a:r>
-          </a:p>
-          <a:p>
-            <a:endParaRPr lang="en-US" baseline="0" dirty="0" smtClean="0"/>
-          </a:p>
-          <a:p>
-            <a:r>
-              <a:rPr lang="en-US" baseline="0" dirty="0" smtClean="0"/>
-              <a:t>L2 : </a:t>
-            </a:r>
-          </a:p>
-          <a:p>
-            <a:r>
-              <a:rPr lang="en-US" baseline="0" dirty="0" smtClean="0"/>
-              <a:t>	- paramètres d’échelle et de forme, invariance par changement d’échelle, adimensionnement (Navier-Stokes et le nombre de Reynolds)</a:t>
-            </a:r>
-          </a:p>
-          <a:p>
-            <a:endParaRPr lang="en-US" baseline="0" dirty="0" smtClean="0"/>
-          </a:p>
-          <a:p>
-            <a:r>
-              <a:rPr lang="en-US" baseline="0" dirty="0" smtClean="0"/>
-              <a:t>L3 :</a:t>
-            </a:r>
-          </a:p>
-          <a:p>
-            <a:pPr marL="0" marR="0" indent="0" algn="l" defTabSz="457200" rtl="0" eaLnBrk="1" fontAlgn="auto" latinLnBrk="0" hangingPunct="1">
-              <a:lnSpc>
-                <a:spcPct val="100000"/>
-              </a:lnSpc>
-              <a:spcBef>
-                <a:spcPts val="0"/>
-              </a:spcBef>
-              <a:spcAft>
-                <a:spcPts val="0"/>
-              </a:spcAft>
-              <a:buClrTx/>
-              <a:buSzTx/>
-              <a:buFontTx/>
-              <a:buNone/>
-              <a:tabLst/>
-              <a:defRPr/>
-            </a:pPr>
-            <a:r>
-              <a:rPr lang="en-US" baseline="0" dirty="0" smtClean="0"/>
-              <a:t>	- en Physique non-linéaire, classification des points d’équilibre en fonction du déterminant et de la trace d’une matrice, celle associée au système d’équations différentielles autonomes (eg point-selle)</a:t>
-            </a:r>
-          </a:p>
-          <a:p>
-            <a:r>
-              <a:rPr lang="en-US" baseline="0" dirty="0" smtClean="0"/>
-              <a:t>	- équation d’Euler-Lagrange en Mécanique analytique &amp; théorème de Noether, avec un bon contre-exemple ici</a:t>
-            </a:r>
-          </a:p>
-          <a:p>
-            <a:r>
-              <a:rPr lang="en-US" baseline="0" dirty="0" smtClean="0"/>
-              <a:t>	- conservation de l’énergie d’un système hamiltonien : erreurs de troncation quand intégration numérique</a:t>
-            </a:r>
-          </a:p>
-          <a:p>
-            <a:endParaRPr lang="en-US" baseline="0" dirty="0" smtClean="0"/>
+              <a:t>Paris Diderot (Sorbonne Paris Cité)</a:t>
+            </a:r>
           </a:p>
           <a:p>
             <a:endParaRPr lang="en-US" baseline="0" dirty="0" smtClean="0"/>
@@ -1300,6 +1206,188 @@
           <a:bodyPr/>
           <a:lstStyle/>
           <a:p>
+            <a:r>
+              <a:rPr lang="en-US" baseline="0" dirty="0" smtClean="0"/>
+              <a:t>Applet en ligne</a:t>
+            </a:r>
+          </a:p>
+          <a:p>
+            <a:endParaRPr lang="en-US" baseline="0" dirty="0" smtClean="0"/>
+          </a:p>
+          <a:p>
+            <a:r>
+              <a:rPr lang="en-US" baseline="0" dirty="0" smtClean="0"/>
+              <a:t>L1 :</a:t>
+            </a:r>
+          </a:p>
+          <a:p>
+            <a:r>
+              <a:rPr lang="en-US" baseline="0" dirty="0" smtClean="0"/>
+              <a:t>	- notion de potentiel</a:t>
+            </a:r>
+          </a:p>
+          <a:p>
+            <a:r>
+              <a:rPr lang="en-US" baseline="0" dirty="0" smtClean="0"/>
+              <a:t>	- référentiels et forces non-inertielles</a:t>
+            </a:r>
+          </a:p>
+          <a:p>
+            <a:r>
+              <a:rPr lang="en-US" baseline="0" dirty="0" smtClean="0"/>
+              <a:t>	- points d’équilibre et stabilité</a:t>
+            </a:r>
+          </a:p>
+          <a:p>
+            <a:endParaRPr lang="en-US" baseline="0" dirty="0" smtClean="0"/>
+          </a:p>
+          <a:p>
+            <a:r>
+              <a:rPr lang="en-US" baseline="0" dirty="0" smtClean="0"/>
+              <a:t>L2 : </a:t>
+            </a:r>
+          </a:p>
+          <a:p>
+            <a:r>
+              <a:rPr lang="en-US" baseline="0" dirty="0" smtClean="0"/>
+              <a:t>	- paramètres d’échelle et de forme, invariance par changement d’échelle, adimensionnement (Navier-Stokes et le nombre de Reynolds)</a:t>
+            </a:r>
+          </a:p>
+          <a:p>
+            <a:endParaRPr lang="en-US" baseline="0" dirty="0" smtClean="0"/>
+          </a:p>
+          <a:p>
+            <a:r>
+              <a:rPr lang="en-US" baseline="0" dirty="0" smtClean="0"/>
+              <a:t>L3 :</a:t>
+            </a:r>
+          </a:p>
+          <a:p>
+            <a:pPr marL="0" marR="0" indent="0" algn="l" defTabSz="457200" rtl="0" eaLnBrk="1" fontAlgn="auto" latinLnBrk="0" hangingPunct="1">
+              <a:lnSpc>
+                <a:spcPct val="100000"/>
+              </a:lnSpc>
+              <a:spcBef>
+                <a:spcPts val="0"/>
+              </a:spcBef>
+              <a:spcAft>
+                <a:spcPts val="0"/>
+              </a:spcAft>
+              <a:buClrTx/>
+              <a:buSzTx/>
+              <a:buFontTx/>
+              <a:buNone/>
+              <a:tabLst/>
+              <a:defRPr/>
+            </a:pPr>
+            <a:r>
+              <a:rPr lang="en-US" baseline="0" dirty="0" smtClean="0"/>
+              <a:t>	- en Physique non-linéaire, classification des points d’équilibre en fonction du déterminant et de la trace d’une matrice, celle associée au système d’équations différentielles autonomes (eg point-selle)</a:t>
+            </a:r>
+          </a:p>
+          <a:p>
+            <a:r>
+              <a:rPr lang="en-US" baseline="0" dirty="0" smtClean="0"/>
+              <a:t>	- équation d’Euler-Lagrange en Mécanique analytique &amp; théorème de Noether, avec un bon contre-exemple ici</a:t>
+            </a:r>
+          </a:p>
+          <a:p>
+            <a:r>
+              <a:rPr lang="en-US" baseline="0" dirty="0" smtClean="0"/>
+              <a:t>	- conservation de l’énergie d’un système hamiltonien : erreurs de troncation quand intégration numérique</a:t>
+            </a:r>
+          </a:p>
+          <a:p>
+            <a:endParaRPr lang="en-US" baseline="0" dirty="0" smtClean="0"/>
+          </a:p>
+          <a:p>
+            <a:endParaRPr lang="en-US" baseline="0" dirty="0" smtClean="0"/>
+          </a:p>
+          <a:p>
+            <a:endParaRPr lang="en-US" baseline="0" dirty="0" smtClean="0"/>
+          </a:p>
+        </p:txBody>
+      </p:sp>
+      <p:sp>
+        <p:nvSpPr>
+          <p:cNvPr id="4" name="Slide Number Placeholder 3"/>
+          <p:cNvSpPr>
+            <a:spLocks noGrp="1"/>
+          </p:cNvSpPr>
+          <p:nvPr>
+            <p:ph type="sldNum" sz="quarter" idx="10"/>
+          </p:nvPr>
+        </p:nvSpPr>
+        <p:spPr/>
+        <p:txBody>
+          <a:bodyPr/>
+          <a:lstStyle/>
+          <a:p>
+            <a:fld id="{FD27859D-BD2F-ED4A-98D9-D354E2238587}" type="slidenum">
+              <a:rPr lang="en-US" smtClean="0"/>
+              <a:t>15</a:t>
+            </a:fld>
+            <a:endParaRPr lang="en-US"/>
+          </a:p>
+        </p:txBody>
+      </p:sp>
+    </p:spTree>
+    <p:extLst>
+      <p:ext uri="{BB962C8B-B14F-4D97-AF65-F5344CB8AC3E}">
+        <p14:creationId xmlns:p14="http://schemas.microsoft.com/office/powerpoint/2010/main" val="3136135803"/>
+      </p:ext>
+    </p:extLst>
+  </p:cSld>
+  <p:clrMapOvr>
+    <a:masterClrMapping/>
+  </p:clrMapOvr>
+</p:notes>
+</file>
+
+<file path=ppt/notesSlides/notesSlide16.xml><?xml version="1.0" encoding="utf-8"?>
+<p:notes xmlns:a="http://schemas.openxmlformats.org/drawingml/2006/main" xmlns:r="http://schemas.openxmlformats.org/officeDocument/2006/relationships" xmlns:p="http://schemas.openxmlformats.org/presentationml/2006/main">
+  <p:cSld>
+    <p:spTree>
+      <p:nvGrpSpPr>
+        <p:cNvPr id="1" name=""/>
+        <p:cNvGrpSpPr/>
+        <p:nvPr/>
+      </p:nvGrpSpPr>
+      <p:grpSpPr>
+        <a:xfrm>
+          <a:off x="0" y="0"/>
+          <a:ext cx="0" cy="0"/>
+          <a:chOff x="0" y="0"/>
+          <a:chExt cx="0" cy="0"/>
+        </a:xfrm>
+      </p:grpSpPr>
+      <p:sp>
+        <p:nvSpPr>
+          <p:cNvPr id="2" name="Slide Image Placeholder 1"/>
+          <p:cNvSpPr>
+            <a:spLocks noGrp="1" noRot="1" noChangeAspect="1"/>
+          </p:cNvSpPr>
+          <p:nvPr>
+            <p:ph type="sldImg"/>
+          </p:nvPr>
+        </p:nvSpPr>
+        <p:spPr/>
+      </p:sp>
+      <p:sp>
+        <p:nvSpPr>
+          <p:cNvPr id="3" name="Notes Placeholder 2"/>
+          <p:cNvSpPr>
+            <a:spLocks noGrp="1"/>
+          </p:cNvSpPr>
+          <p:nvPr>
+            <p:ph type="body" idx="1"/>
+          </p:nvPr>
+        </p:nvSpPr>
+        <p:spPr/>
+        <p:txBody>
+          <a:bodyPr/>
+          <a:lstStyle/>
+          <a:p>
             <a:pPr marL="0" marR="0" lvl="0" indent="0" algn="l" defTabSz="457200" rtl="0" eaLnBrk="1" fontAlgn="auto" latinLnBrk="0" hangingPunct="1">
               <a:lnSpc>
                 <a:spcPct val="100000"/>
@@ -1491,7 +1579,7 @@
           <a:p>
             <a:fld id="{FD27859D-BD2F-ED4A-98D9-D354E2238587}" type="slidenum">
               <a:rPr lang="en-US" smtClean="0"/>
-              <a:t>15</a:t>
+              <a:t>16</a:t>
             </a:fld>
             <a:endParaRPr lang="en-US"/>
           </a:p>
@@ -1640,71 +1728,8 @@
           <a:p>
             <a:r>
               <a:rPr lang="en-US" baseline="0" dirty="0" smtClean="0"/>
-              <a:t>Le transfert de matière se fait via la capture d’une fraction du vent de l’étoile massive par l’objet compact</a:t>
-            </a:r>
-          </a:p>
-          <a:p>
-            <a:endParaRPr lang="en-US" baseline="0" dirty="0" smtClean="0"/>
-          </a:p>
-          <a:p>
-            <a:r>
-              <a:rPr lang="en-US" baseline="0" dirty="0" smtClean="0"/>
-              <a:t>Structures à l’échelle orbitale en plus des clumps de petite dimension</a:t>
-            </a:r>
-          </a:p>
-          <a:p>
-            <a:endParaRPr lang="en-US" baseline="0" dirty="0" smtClean="0"/>
-          </a:p>
-          <a:p>
-            <a:r>
-              <a:rPr lang="en-US" baseline="0" dirty="0" smtClean="0"/>
-              <a:t>Comment se manifestent ces structures pour un observateur?</a:t>
-            </a:r>
-          </a:p>
-          <a:p>
-            <a:endParaRPr lang="en-US" baseline="0" dirty="0" smtClean="0"/>
-          </a:p>
-          <a:p>
-            <a:r>
-              <a:rPr lang="en-US" baseline="0" dirty="0" smtClean="0"/>
-              <a:t>Pourquoi ça importe?</a:t>
-            </a:r>
-          </a:p>
-          <a:p>
-            <a:r>
-              <a:rPr lang="en-US" baseline="0" dirty="0" smtClean="0"/>
-              <a:t>	- impact de la binarité sur l’évolution des étoiles de forte masse</a:t>
-            </a:r>
-          </a:p>
-          <a:p>
-            <a:r>
-              <a:rPr lang="en-US" baseline="0" dirty="0" smtClean="0"/>
-              <a:t>	- évolution du moment angulaire =&gt; taux de coalescence en un temps de Hubble</a:t>
-            </a:r>
-          </a:p>
-          <a:p>
-            <a:r>
-              <a:rPr lang="en-US" baseline="0" dirty="0" smtClean="0"/>
-              <a:t>	- EOS des NS par la mesure de la masse de l’étoile à neutron</a:t>
-            </a:r>
-          </a:p>
-          <a:p>
-            <a:r>
-              <a:rPr lang="en-US" baseline="0" dirty="0" smtClean="0"/>
-              <a:t>	- dans une moindre mesure, la contrainte de la GR en champ fort</a:t>
-            </a:r>
-          </a:p>
-          <a:p>
-            <a:endParaRPr lang="en-US" baseline="0" dirty="0" smtClean="0"/>
-          </a:p>
-          <a:p>
-            <a:r>
-              <a:rPr lang="en-US" baseline="0" dirty="0" smtClean="0"/>
-              <a:t>Problème multi-échelle (6 odm) et multi-physique : radiative, HD, MHD, GR</a:t>
-            </a:r>
-          </a:p>
-          <a:p>
-            <a:endParaRPr lang="en-US" baseline="0" dirty="0" smtClean="0"/>
+              <a:t>Modélisation de l’absorption provoquée par la poussière et calcul du taux de perte de masse</a:t>
+            </a:r>
           </a:p>
         </p:txBody>
       </p:sp>
@@ -1788,30 +1813,27 @@
           <a:bodyPr/>
           <a:lstStyle/>
           <a:p>
-            <a:pPr marL="228600" indent="-228600">
-              <a:buAutoNum type="arabicPeriod"/>
-            </a:pPr>
             <a:r>
               <a:rPr lang="en-US" baseline="0" dirty="0" smtClean="0"/>
-              <a:t>Détections historiques, en 2015 puis 2017</a:t>
-            </a:r>
-          </a:p>
-          <a:p>
-            <a:pPr marL="0" indent="0">
-              <a:buNone/>
-            </a:pPr>
+              <a:t>Le transfert de matière se fait via la capture d’une fraction du vent de l’étoile massive par l’objet compact</a:t>
+            </a:r>
+          </a:p>
+          <a:p>
+            <a:endParaRPr lang="en-US" baseline="0" dirty="0" smtClean="0"/>
+          </a:p>
+          <a:p>
             <a:r>
               <a:rPr lang="en-US" baseline="0" dirty="0" smtClean="0"/>
-              <a:t>Spiral</a:t>
-            </a:r>
-          </a:p>
-          <a:p>
-            <a:pPr marL="0" indent="0">
-              <a:buNone/>
-            </a:pPr>
+              <a:t>Structures à l’échelle orbitale en plus des clumps de petite dimension</a:t>
+            </a:r>
+          </a:p>
+          <a:p>
+            <a:endParaRPr lang="en-US" baseline="0" dirty="0" smtClean="0"/>
+          </a:p>
+          <a:p>
             <a:r>
               <a:rPr lang="en-US" baseline="0" dirty="0" smtClean="0"/>
-              <a:t>Masse &amp; spin</a:t>
+              <a:t>Comment se manifestent ces structures pour un observateur?</a:t>
             </a:r>
           </a:p>
           <a:p>
@@ -1820,43 +1842,44 @@
           <a:p>
             <a:r>
               <a:rPr lang="en-US" baseline="0" dirty="0" smtClean="0"/>
-              <a:t>2. Masse maximale</a:t>
+              <a:t>Pourquoi ça importe?</a:t>
             </a:r>
           </a:p>
           <a:p>
             <a:r>
               <a:rPr lang="en-US" baseline="0" dirty="0" smtClean="0"/>
-              <a:t>Origine? Dipole?</a:t>
+              <a:t>	- impact de la binarité sur l’évolution des étoiles de forte masse</a:t>
             </a:r>
           </a:p>
           <a:p>
             <a:r>
               <a:rPr lang="en-US" baseline="0" dirty="0" smtClean="0"/>
-              <a:t>Cro</a:t>
-            </a:r>
+              <a:t>	- évolution du moment angulaire =&gt; taux de coalescence en un temps de Hubble</a:t>
+            </a:r>
+          </a:p>
+          <a:p>
             <a:r>
               <a:rPr lang="en-US" baseline="0" dirty="0" smtClean="0"/>
-              <a:t>ûte, séisme stellaire, sauts (glitches) dans période de rotation</a:t>
-            </a:r>
+              <a:t>	- EOS des NS par la mesure de la masse de l’étoile à neutron</a:t>
+            </a:r>
+          </a:p>
+          <a:p>
+            <a:r>
+              <a:rPr lang="en-US" baseline="0" dirty="0" smtClean="0"/>
+              <a:t>	- dans une moindre mesure, la contrainte de la GR en champ fort</a:t>
+            </a:r>
+          </a:p>
+          <a:p>
             <a:endParaRPr lang="en-US" baseline="0" dirty="0" smtClean="0"/>
           </a:p>
           <a:p>
+            <a:r>
+              <a:rPr lang="en-US" baseline="0" dirty="0" smtClean="0"/>
+              <a:t>Problème multi-échelle (6 odm) et multi-physique : radiative, HD, MHD, GR</a:t>
+            </a:r>
+          </a:p>
+          <a:p>
             <a:endParaRPr lang="en-US" baseline="0" dirty="0" smtClean="0"/>
-          </a:p>
-          <a:p>
-            <a:r>
-              <a:rPr lang="en-US" baseline="0" dirty="0" smtClean="0"/>
-              <a:t>3. </a:t>
-            </a:r>
-          </a:p>
-          <a:p>
-            <a:endParaRPr lang="en-US" baseline="0" dirty="0" smtClean="0"/>
-          </a:p>
-          <a:p>
-            <a:r>
-              <a:rPr lang="en-US" baseline="0" dirty="0" smtClean="0"/>
-              <a:t>4. Ecosystème</a:t>
-            </a:r>
           </a:p>
         </p:txBody>
       </p:sp>
@@ -1940,7 +1963,75 @@
           <a:bodyPr/>
           <a:lstStyle/>
           <a:p>
+            <a:pPr marL="228600" indent="-228600">
+              <a:buAutoNum type="arabicPeriod"/>
+            </a:pPr>
+            <a:r>
+              <a:rPr lang="en-US" baseline="0" dirty="0" smtClean="0"/>
+              <a:t>Détections historiques, en 2015 puis 2017</a:t>
+            </a:r>
+          </a:p>
+          <a:p>
+            <a:pPr marL="0" indent="0">
+              <a:buNone/>
+            </a:pPr>
+            <a:r>
+              <a:rPr lang="en-US" baseline="0" dirty="0" smtClean="0"/>
+              <a:t>Spiral</a:t>
+            </a:r>
+          </a:p>
+          <a:p>
+            <a:pPr marL="0" indent="0">
+              <a:buNone/>
+            </a:pPr>
+            <a:r>
+              <a:rPr lang="en-US" baseline="0" dirty="0" smtClean="0"/>
+              <a:t>Masse &amp; spin</a:t>
+            </a:r>
+          </a:p>
+          <a:p>
             <a:endParaRPr lang="en-US" baseline="0" dirty="0" smtClean="0"/>
+          </a:p>
+          <a:p>
+            <a:r>
+              <a:rPr lang="en-US" baseline="0" dirty="0" smtClean="0"/>
+              <a:t>2. Masse maximale</a:t>
+            </a:r>
+          </a:p>
+          <a:p>
+            <a:r>
+              <a:rPr lang="en-US" baseline="0" dirty="0" smtClean="0"/>
+              <a:t>Origine? Dipole?</a:t>
+            </a:r>
+          </a:p>
+          <a:p>
+            <a:r>
+              <a:rPr lang="en-US" baseline="0" dirty="0" smtClean="0"/>
+              <a:t>Cro</a:t>
+            </a:r>
+            <a:r>
+              <a:rPr lang="en-US" baseline="0" dirty="0" smtClean="0"/>
+              <a:t>ûte, séisme stellaire, sauts (glitches) dans période de rotation</a:t>
+            </a:r>
+            <a:endParaRPr lang="en-US" baseline="0" dirty="0" smtClean="0"/>
+          </a:p>
+          <a:p>
+            <a:endParaRPr lang="en-US" baseline="0" dirty="0" smtClean="0"/>
+          </a:p>
+          <a:p>
+            <a:r>
+              <a:rPr lang="en-US" baseline="0" dirty="0" smtClean="0"/>
+              <a:t>3. </a:t>
+            </a:r>
+          </a:p>
+          <a:p>
+            <a:endParaRPr lang="en-US" baseline="0" dirty="0" smtClean="0"/>
+          </a:p>
+          <a:p>
+            <a:r>
+              <a:rPr lang="en-US" baseline="0" dirty="0" smtClean="0"/>
+              <a:t>4. Ecosystème</a:t>
+            </a:r>
           </a:p>
         </p:txBody>
       </p:sp>
@@ -5876,7 +5967,7 @@
                 <a:latin typeface="Geneva"/>
                 <a:cs typeface="Geneva"/>
               </a:rPr>
-              <a:t> TRANSITION : HMXBs possible progéniteurs des coalescences</a:t>
+              <a:t> X</a:t>
             </a:r>
           </a:p>
         </p:txBody>
@@ -5884,7 +5975,7 @@
     </p:spTree>
     <p:extLst>
       <p:ext uri="{BB962C8B-B14F-4D97-AF65-F5344CB8AC3E}">
-        <p14:creationId xmlns:p14="http://schemas.microsoft.com/office/powerpoint/2010/main" val="1089513853"/>
+        <p14:creationId xmlns:p14="http://schemas.microsoft.com/office/powerpoint/2010/main" val="3843118602"/>
       </p:ext>
     </p:extLst>
   </p:cSld>
@@ -6073,14 +6164,14 @@
                 <a:latin typeface="Geneva"/>
                 <a:cs typeface="Geneva"/>
               </a:rPr>
-              <a:t>	–	Travaux	-	</a:t>
+              <a:t>	–</a:t>
             </a:r>
             <a:r>
               <a:rPr lang="en-US" sz="1200" b="1" dirty="0" smtClean="0">
                 <a:latin typeface="Geneva"/>
                 <a:cs typeface="Geneva"/>
               </a:rPr>
-              <a:t>Projet de recherche	</a:t>
+              <a:t>	Travaux	</a:t>
             </a:r>
             <a:r>
               <a:rPr lang="en-US" sz="1200" b="1" dirty="0" smtClean="0">
@@ -6090,14 +6181,14 @@
                 <a:latin typeface="Geneva"/>
                 <a:cs typeface="Geneva"/>
               </a:rPr>
-              <a:t>-	Enseignement	</a:t>
+              <a:t>-	Projet de recherche	-	Enseignement</a:t>
             </a:r>
             <a:r>
               <a:rPr lang="en-US" sz="1200" b="1" dirty="0" smtClean="0">
                 <a:latin typeface="Geneva"/>
                 <a:cs typeface="Geneva"/>
               </a:rPr>
-              <a:t>			</a:t>
+              <a:t>				</a:t>
             </a:r>
             <a:endParaRPr lang="en-US" sz="1200" b="1" dirty="0">
               <a:latin typeface="Geneva"/>
@@ -6144,15 +6235,114 @@
                 <a:latin typeface="Geneva"/>
                 <a:cs typeface="Geneva"/>
               </a:rPr>
-              <a:t> disque chaud comme photosphère d’étoile massive =&gt; vent &amp; clumps</a:t>
-            </a:r>
-          </a:p>
-        </p:txBody>
-      </p:sp>
+              <a:t> TRANSITION : HMXBs possible progéniteurs des coalescences</a:t>
+            </a:r>
+          </a:p>
+        </p:txBody>
+      </p:sp>
+      <p:grpSp>
+        <p:nvGrpSpPr>
+          <p:cNvPr id="4" name="Grouper 3"/>
+          <p:cNvGrpSpPr/>
+          <p:nvPr/>
+        </p:nvGrpSpPr>
+        <p:grpSpPr>
+          <a:xfrm>
+            <a:off x="1495559" y="3267474"/>
+            <a:ext cx="6136557" cy="3150747"/>
+            <a:chOff x="1495559" y="3267474"/>
+            <a:chExt cx="6136557" cy="3150747"/>
+          </a:xfrm>
+        </p:grpSpPr>
+        <p:pic>
+          <p:nvPicPr>
+            <p:cNvPr id="3" name="Image 2" descr="LIGO_DNS.png"/>
+            <p:cNvPicPr>
+              <a:picLocks noChangeAspect="1"/>
+            </p:cNvPicPr>
+            <p:nvPr/>
+          </p:nvPicPr>
+          <p:blipFill>
+            <a:blip r:embed="rId4">
+              <a:extLst>
+                <a:ext uri="{28A0092B-C50C-407E-A947-70E740481C1C}">
+                  <a14:useLocalDpi xmlns:a14="http://schemas.microsoft.com/office/drawing/2010/main" val="0"/>
+                </a:ext>
+              </a:extLst>
+            </a:blip>
+            <a:stretch>
+              <a:fillRect/>
+            </a:stretch>
+          </p:blipFill>
+          <p:spPr>
+            <a:xfrm>
+              <a:off x="1543040" y="3267474"/>
+              <a:ext cx="6089076" cy="3138877"/>
+            </a:xfrm>
+            <a:prstGeom prst="rect">
+              <a:avLst/>
+            </a:prstGeom>
+            <a:ln>
+              <a:noFill/>
+            </a:ln>
+            <a:effectLst>
+              <a:outerShdw blurRad="190500" algn="tl" rotWithShape="0">
+                <a:srgbClr val="000000">
+                  <a:alpha val="70000"/>
+                </a:srgbClr>
+              </a:outerShdw>
+            </a:effectLst>
+          </p:spPr>
+        </p:pic>
+        <p:sp>
+          <p:nvSpPr>
+            <p:cNvPr id="7" name="Rectangle 6"/>
+            <p:cNvSpPr/>
+            <p:nvPr/>
+          </p:nvSpPr>
+          <p:spPr>
+            <a:xfrm>
+              <a:off x="1495559" y="6172000"/>
+              <a:ext cx="2373911" cy="246221"/>
+            </a:xfrm>
+            <a:prstGeom prst="rect">
+              <a:avLst/>
+            </a:prstGeom>
+          </p:spPr>
+          <p:txBody>
+            <a:bodyPr wrap="square">
+              <a:spAutoFit/>
+            </a:bodyPr>
+            <a:lstStyle/>
+            <a:p>
+              <a:pPr lvl="0">
+                <a:buSzPct val="100000"/>
+              </a:pPr>
+              <a:r>
+                <a:rPr lang="en-US" sz="1000" i="1">
+                  <a:solidFill>
+                    <a:srgbClr val="000000"/>
+                  </a:solidFill>
+                  <a:latin typeface="Geneva"/>
+                  <a:cs typeface="Geneva"/>
+                </a:rPr>
+                <a:t>LIGO / Virgo collaboration (2017)</a:t>
+              </a:r>
+              <a:endParaRPr lang="en-US" sz="1000" i="1">
+                <a:solidFill>
+                  <a:srgbClr val="000000"/>
+                </a:solidFill>
+                <a:latin typeface="Geneva"/>
+                <a:cs typeface="Geneva"/>
+              </a:endParaRPr>
+            </a:p>
+          </p:txBody>
+        </p:sp>
+      </p:grpSp>
     </p:spTree>
     <p:extLst>
       <p:ext uri="{BB962C8B-B14F-4D97-AF65-F5344CB8AC3E}">
-        <p14:creationId xmlns:p14="http://schemas.microsoft.com/office/powerpoint/2010/main" val="2297856012"/>
+        <p14:creationId xmlns:p14="http://schemas.microsoft.com/office/powerpoint/2010/main" val="1089513853"/>
       </p:ext>
     </p:extLst>
   </p:cSld>
@@ -6239,8 +6429,12 @@
                 <a:latin typeface="Geneva"/>
                 <a:cs typeface="Geneva"/>
               </a:rPr>
-              <a:t> Ancrage à l’IAP</a:t>
-            </a:r>
+              <a:t> XXX</a:t>
+            </a:r>
+            <a:endParaRPr lang="en-US" sz="2000" b="1" dirty="0" smtClean="0">
+              <a:latin typeface="Geneva"/>
+              <a:cs typeface="Geneva"/>
+            </a:endParaRPr>
           </a:p>
         </p:txBody>
       </p:sp>
@@ -6408,6 +6602,270 @@
                 <a:latin typeface="Geneva"/>
                 <a:cs typeface="Geneva"/>
               </a:rPr>
+              <a:t> disque chaud comme photosphère d’étoile massive =&gt; vent &amp; clumps</a:t>
+            </a:r>
+          </a:p>
+        </p:txBody>
+      </p:sp>
+    </p:spTree>
+    <p:extLst>
+      <p:ext uri="{BB962C8B-B14F-4D97-AF65-F5344CB8AC3E}">
+        <p14:creationId xmlns:p14="http://schemas.microsoft.com/office/powerpoint/2010/main" val="2297856012"/>
+      </p:ext>
+    </p:extLst>
+  </p:cSld>
+  <p:clrMapOvr>
+    <a:masterClrMapping/>
+  </p:clrMapOvr>
+  <p:timing>
+    <p:tnLst>
+      <p:par>
+        <p:cTn xmlns:p14="http://schemas.microsoft.com/office/powerpoint/2010/main" id="1" dur="indefinite" restart="never" nodeType="tmRoot"/>
+      </p:par>
+    </p:tnLst>
+  </p:timing>
+</p:sld>
+</file>
+
+<file path=ppt/slides/slide13.xml><?xml version="1.0" encoding="utf-8"?>
+<p:sld xmlns:a="http://schemas.openxmlformats.org/drawingml/2006/main" xmlns:r="http://schemas.openxmlformats.org/officeDocument/2006/relationships" xmlns:p="http://schemas.openxmlformats.org/presentationml/2006/main">
+  <p:cSld>
+    <p:spTree>
+      <p:nvGrpSpPr>
+        <p:cNvPr id="1" name=""/>
+        <p:cNvGrpSpPr/>
+        <p:nvPr/>
+      </p:nvGrpSpPr>
+      <p:grpSpPr>
+        <a:xfrm>
+          <a:off x="0" y="0"/>
+          <a:ext cx="0" cy="0"/>
+          <a:chOff x="0" y="0"/>
+          <a:chExt cx="0" cy="0"/>
+        </a:xfrm>
+      </p:grpSpPr>
+      <p:sp>
+        <p:nvSpPr>
+          <p:cNvPr id="6" name="Rectangle 5"/>
+          <p:cNvSpPr/>
+          <p:nvPr/>
+        </p:nvSpPr>
+        <p:spPr>
+          <a:xfrm>
+            <a:off x="0" y="0"/>
+            <a:ext cx="9157961" cy="540480"/>
+          </a:xfrm>
+          <a:prstGeom prst="rect">
+            <a:avLst/>
+          </a:prstGeom>
+          <a:solidFill>
+            <a:schemeClr val="lt1">
+              <a:alpha val="50000"/>
+            </a:schemeClr>
+          </a:solidFill>
+          <a:ln>
+            <a:noFill/>
+          </a:ln>
+          <a:effectLst>
+            <a:outerShdw blurRad="82550" dir="2700000" sx="120000" sy="120000" algn="tl" rotWithShape="0">
+              <a:prstClr val="black">
+                <a:alpha val="70000"/>
+              </a:prstClr>
+            </a:outerShdw>
+          </a:effectLst>
+        </p:spPr>
+        <p:style>
+          <a:lnRef idx="2">
+            <a:schemeClr val="dk1"/>
+          </a:lnRef>
+          <a:fillRef idx="1">
+            <a:schemeClr val="lt1"/>
+          </a:fillRef>
+          <a:effectRef idx="0">
+            <a:schemeClr val="dk1"/>
+          </a:effectRef>
+          <a:fontRef idx="minor">
+            <a:schemeClr val="dk1"/>
+          </a:fontRef>
+        </p:style>
+        <p:txBody>
+          <a:bodyPr rtlCol="0" anchor="ctr"/>
+          <a:lstStyle/>
+          <a:p>
+            <a:r>
+              <a:rPr lang="en-US" sz="2000" b="1" dirty="0">
+                <a:latin typeface="Geneva"/>
+                <a:cs typeface="Geneva"/>
+              </a:rPr>
+              <a:t> Ancrage à l’IAP</a:t>
+            </a:r>
+          </a:p>
+        </p:txBody>
+      </p:sp>
+      <p:sp>
+        <p:nvSpPr>
+          <p:cNvPr id="2" name="ZoneTexte 1"/>
+          <p:cNvSpPr txBox="1"/>
+          <p:nvPr/>
+        </p:nvSpPr>
+        <p:spPr>
+          <a:xfrm>
+            <a:off x="10938933" y="4131733"/>
+            <a:ext cx="184666" cy="369332"/>
+          </a:xfrm>
+          <a:prstGeom prst="rect">
+            <a:avLst/>
+          </a:prstGeom>
+          <a:noFill/>
+        </p:spPr>
+        <p:txBody>
+          <a:bodyPr wrap="none" rtlCol="0">
+            <a:spAutoFit/>
+          </a:bodyPr>
+          <a:lstStyle/>
+          <a:p>
+            <a:endParaRPr lang="fr-FR" dirty="0"/>
+          </a:p>
+        </p:txBody>
+      </p:sp>
+      <p:sp>
+        <p:nvSpPr>
+          <p:cNvPr id="19" name="Rectangle 18"/>
+          <p:cNvSpPr/>
+          <p:nvPr/>
+        </p:nvSpPr>
+        <p:spPr>
+          <a:xfrm>
+            <a:off x="-1" y="6648379"/>
+            <a:ext cx="9157961" cy="193746"/>
+          </a:xfrm>
+          <a:prstGeom prst="rect">
+            <a:avLst/>
+          </a:prstGeom>
+          <a:solidFill>
+            <a:schemeClr val="lt1">
+              <a:alpha val="50000"/>
+            </a:schemeClr>
+          </a:solidFill>
+          <a:ln>
+            <a:noFill/>
+          </a:ln>
+          <a:effectLst>
+            <a:outerShdw blurRad="63500" dir="13500000" sx="117000" sy="117000" kx="2700000" rotWithShape="0">
+              <a:srgbClr val="000000">
+                <a:alpha val="51000"/>
+              </a:srgbClr>
+            </a:outerShdw>
+          </a:effectLst>
+        </p:spPr>
+        <p:style>
+          <a:lnRef idx="2">
+            <a:schemeClr val="dk1"/>
+          </a:lnRef>
+          <a:fillRef idx="1">
+            <a:schemeClr val="lt1"/>
+          </a:fillRef>
+          <a:effectRef idx="0">
+            <a:schemeClr val="dk1"/>
+          </a:effectRef>
+          <a:fontRef idx="minor">
+            <a:schemeClr val="dk1"/>
+          </a:fontRef>
+        </p:style>
+        <p:txBody>
+          <a:bodyPr rtlCol="0" anchor="ctr"/>
+          <a:lstStyle/>
+          <a:p>
+            <a:pPr algn="ctr"/>
+            <a:r>
+              <a:rPr lang="en-US" sz="1200" b="1" dirty="0">
+                <a:solidFill>
+                  <a:srgbClr val="7F7F7F"/>
+                </a:solidFill>
+                <a:latin typeface="Geneva"/>
+                <a:cs typeface="Geneva"/>
+              </a:rPr>
+              <a:t>Parcours</a:t>
+            </a:r>
+            <a:r>
+              <a:rPr lang="en-US" sz="1200" b="1" dirty="0" smtClean="0">
+                <a:solidFill>
+                  <a:srgbClr val="7F7F7F"/>
+                </a:solidFill>
+                <a:latin typeface="Geneva"/>
+                <a:cs typeface="Geneva"/>
+              </a:rPr>
+              <a:t>	–	Travaux	-	</a:t>
+            </a:r>
+            <a:r>
+              <a:rPr lang="en-US" sz="1200" b="1" dirty="0" smtClean="0">
+                <a:latin typeface="Geneva"/>
+                <a:cs typeface="Geneva"/>
+              </a:rPr>
+              <a:t>Projet de recherche	</a:t>
+            </a:r>
+            <a:r>
+              <a:rPr lang="en-US" sz="1200" b="1" dirty="0" smtClean="0">
+                <a:solidFill>
+                  <a:srgbClr val="7F7F7F"/>
+                </a:solidFill>
+                <a:latin typeface="Geneva"/>
+                <a:cs typeface="Geneva"/>
+              </a:rPr>
+              <a:t>-	Enseignement	</a:t>
+            </a:r>
+            <a:r>
+              <a:rPr lang="en-US" sz="1200" b="1" dirty="0" smtClean="0">
+                <a:latin typeface="Geneva"/>
+                <a:cs typeface="Geneva"/>
+              </a:rPr>
+              <a:t>			</a:t>
+            </a:r>
+            <a:endParaRPr lang="en-US" sz="1200" b="1" dirty="0">
+              <a:latin typeface="Geneva"/>
+              <a:cs typeface="Geneva"/>
+            </a:endParaRPr>
+          </a:p>
+        </p:txBody>
+      </p:sp>
+      <p:sp>
+        <p:nvSpPr>
+          <p:cNvPr id="14" name="Rectangle 13"/>
+          <p:cNvSpPr/>
+          <p:nvPr/>
+        </p:nvSpPr>
+        <p:spPr>
+          <a:xfrm>
+            <a:off x="588562" y="1228490"/>
+            <a:ext cx="8224371" cy="600164"/>
+          </a:xfrm>
+          <a:prstGeom prst="rect">
+            <a:avLst/>
+          </a:prstGeom>
+        </p:spPr>
+        <p:txBody>
+          <a:bodyPr wrap="square">
+            <a:spAutoFit/>
+          </a:bodyPr>
+          <a:lstStyle/>
+          <a:p>
+            <a:pPr marL="171450" lvl="0" indent="-171450">
+              <a:lnSpc>
+                <a:spcPct val="200000"/>
+              </a:lnSpc>
+              <a:buSzPct val="100000"/>
+              <a:buBlip>
+                <a:blip r:embed="rId3"/>
+              </a:buBlip>
+            </a:pPr>
+            <a:r>
+              <a:rPr lang="en-US">
+                <a:solidFill>
+                  <a:srgbClr val="000000"/>
+                </a:solidFill>
+                <a:latin typeface="Geneva"/>
+                <a:cs typeface="Geneva"/>
+              </a:rPr>
               <a:t> X</a:t>
             </a:r>
           </a:p>
@@ -6433,7 +6891,7 @@
 </p:sld>
 </file>
 
-<file path=ppt/slides/slide13.xml><?xml version="1.0" encoding="utf-8"?>
+<file path=ppt/slides/slide14.xml><?xml version="1.0" encoding="utf-8"?>
 <p:sld xmlns:a="http://schemas.openxmlformats.org/drawingml/2006/main" xmlns:r="http://schemas.openxmlformats.org/officeDocument/2006/relationships" xmlns:p="http://schemas.openxmlformats.org/presentationml/2006/main">
   <p:cSld>
     <p:spTree>
@@ -7817,7 +8275,7 @@
 </p:sld>
 </file>
 
-<file path=ppt/slides/slide14.xml><?xml version="1.0" encoding="utf-8"?>
+<file path=ppt/slides/slide15.xml><?xml version="1.0" encoding="utf-8"?>
 <p:sld xmlns:a="http://schemas.openxmlformats.org/drawingml/2006/main" xmlns:r="http://schemas.openxmlformats.org/officeDocument/2006/relationships" xmlns:p="http://schemas.openxmlformats.org/presentationml/2006/main">
   <p:cSld>
     <p:spTree>
@@ -8496,7 +8954,7 @@
 </p:sld>
 </file>
 
-<file path=ppt/slides/slide15.xml><?xml version="1.0" encoding="utf-8"?>
+<file path=ppt/slides/slide16.xml><?xml version="1.0" encoding="utf-8"?>
 <p:sld xmlns:a="http://schemas.openxmlformats.org/drawingml/2006/main" xmlns:r="http://schemas.openxmlformats.org/officeDocument/2006/relationships" xmlns:p="http://schemas.openxmlformats.org/presentationml/2006/main">
   <p:cSld>
     <p:spTree>
@@ -10464,6 +10922,936 @@
                 <a:latin typeface="Geneva"/>
                 <a:cs typeface="Geneva"/>
               </a:rPr>
+              <a:t> Travaux préliminaires &amp; thème de recherche</a:t>
+            </a:r>
+            <a:endParaRPr lang="en-US" sz="2000" b="1" dirty="0" smtClean="0">
+              <a:latin typeface="Geneva"/>
+              <a:cs typeface="Geneva"/>
+            </a:endParaRPr>
+          </a:p>
+        </p:txBody>
+      </p:sp>
+      <p:sp>
+        <p:nvSpPr>
+          <p:cNvPr id="2" name="ZoneTexte 1"/>
+          <p:cNvSpPr txBox="1"/>
+          <p:nvPr/>
+        </p:nvSpPr>
+        <p:spPr>
+          <a:xfrm>
+            <a:off x="10938933" y="4131733"/>
+            <a:ext cx="184666" cy="369332"/>
+          </a:xfrm>
+          <a:prstGeom prst="rect">
+            <a:avLst/>
+          </a:prstGeom>
+          <a:noFill/>
+        </p:spPr>
+        <p:txBody>
+          <a:bodyPr wrap="none" rtlCol="0">
+            <a:spAutoFit/>
+          </a:bodyPr>
+          <a:lstStyle/>
+          <a:p>
+            <a:endParaRPr lang="fr-FR" dirty="0"/>
+          </a:p>
+        </p:txBody>
+      </p:sp>
+      <p:sp>
+        <p:nvSpPr>
+          <p:cNvPr id="19" name="Rectangle 18"/>
+          <p:cNvSpPr/>
+          <p:nvPr/>
+        </p:nvSpPr>
+        <p:spPr>
+          <a:xfrm>
+            <a:off x="-1" y="6648379"/>
+            <a:ext cx="9157961" cy="193746"/>
+          </a:xfrm>
+          <a:prstGeom prst="rect">
+            <a:avLst/>
+          </a:prstGeom>
+          <a:solidFill>
+            <a:schemeClr val="lt1">
+              <a:alpha val="50000"/>
+            </a:schemeClr>
+          </a:solidFill>
+          <a:ln>
+            <a:noFill/>
+          </a:ln>
+          <a:effectLst>
+            <a:outerShdw blurRad="63500" dir="13500000" sx="117000" sy="117000" kx="2700000" rotWithShape="0">
+              <a:srgbClr val="000000">
+                <a:alpha val="51000"/>
+              </a:srgbClr>
+            </a:outerShdw>
+          </a:effectLst>
+        </p:spPr>
+        <p:style>
+          <a:lnRef idx="2">
+            <a:schemeClr val="dk1"/>
+          </a:lnRef>
+          <a:fillRef idx="1">
+            <a:schemeClr val="lt1"/>
+          </a:fillRef>
+          <a:effectRef idx="0">
+            <a:schemeClr val="dk1"/>
+          </a:effectRef>
+          <a:fontRef idx="minor">
+            <a:schemeClr val="dk1"/>
+          </a:fontRef>
+        </p:style>
+        <p:txBody>
+          <a:bodyPr rtlCol="0" anchor="ctr"/>
+          <a:lstStyle/>
+          <a:p>
+            <a:pPr algn="ctr"/>
+            <a:r>
+              <a:rPr lang="en-US" sz="1200" b="1" dirty="0">
+                <a:solidFill>
+                  <a:srgbClr val="7F7F7F"/>
+                </a:solidFill>
+                <a:latin typeface="Geneva"/>
+                <a:cs typeface="Geneva"/>
+              </a:rPr>
+              <a:t>Parcours</a:t>
+            </a:r>
+            <a:r>
+              <a:rPr lang="en-US" sz="1200" b="1" dirty="0" smtClean="0">
+                <a:solidFill>
+                  <a:srgbClr val="7F7F7F"/>
+                </a:solidFill>
+                <a:latin typeface="Geneva"/>
+                <a:cs typeface="Geneva"/>
+              </a:rPr>
+              <a:t>	–</a:t>
+            </a:r>
+            <a:r>
+              <a:rPr lang="en-US" sz="1200" b="1" dirty="0" smtClean="0">
+                <a:latin typeface="Geneva"/>
+                <a:cs typeface="Geneva"/>
+              </a:rPr>
+              <a:t>	Travaux	</a:t>
+            </a:r>
+            <a:r>
+              <a:rPr lang="en-US" sz="1200" b="1" dirty="0" smtClean="0">
+                <a:solidFill>
+                  <a:srgbClr val="7F7F7F"/>
+                </a:solidFill>
+                <a:latin typeface="Geneva"/>
+                <a:cs typeface="Geneva"/>
+              </a:rPr>
+              <a:t>-	Projet de recherche	-	Enseignement</a:t>
+            </a:r>
+            <a:r>
+              <a:rPr lang="en-US" sz="1200" b="1" dirty="0" smtClean="0">
+                <a:latin typeface="Geneva"/>
+                <a:cs typeface="Geneva"/>
+              </a:rPr>
+              <a:t>				</a:t>
+            </a:r>
+            <a:endParaRPr lang="en-US" sz="1200" b="1" dirty="0">
+              <a:latin typeface="Geneva"/>
+              <a:cs typeface="Geneva"/>
+            </a:endParaRPr>
+          </a:p>
+        </p:txBody>
+      </p:sp>
+      <p:sp>
+        <p:nvSpPr>
+          <p:cNvPr id="29" name="Rectangle 28"/>
+          <p:cNvSpPr/>
+          <p:nvPr/>
+        </p:nvSpPr>
+        <p:spPr>
+          <a:xfrm>
+            <a:off x="2464363" y="1163964"/>
+            <a:ext cx="4622517" cy="697114"/>
+          </a:xfrm>
+          <a:prstGeom prst="rect">
+            <a:avLst/>
+          </a:prstGeom>
+        </p:spPr>
+        <p:txBody>
+          <a:bodyPr wrap="none">
+            <a:spAutoFit/>
+          </a:bodyPr>
+          <a:lstStyle/>
+          <a:p>
+            <a:pPr lvl="0" algn="ctr">
+              <a:lnSpc>
+                <a:spcPct val="110000"/>
+              </a:lnSpc>
+              <a:buSzPct val="100000"/>
+            </a:pPr>
+            <a:r>
+              <a:rPr lang="en-US" b="1" i="1" dirty="0">
+                <a:solidFill>
+                  <a:srgbClr val="000000"/>
+                </a:solidFill>
+                <a:latin typeface="Geneva"/>
+                <a:cs typeface="Geneva"/>
+              </a:rPr>
+              <a:t>Les étoiles et leurs reliquats, </a:t>
+            </a:r>
+          </a:p>
+          <a:p>
+            <a:pPr lvl="0" algn="ctr">
+              <a:lnSpc>
+                <a:spcPct val="110000"/>
+              </a:lnSpc>
+              <a:buSzPct val="100000"/>
+            </a:pPr>
+            <a:r>
+              <a:rPr lang="en-US" b="1" i="1" dirty="0">
+                <a:solidFill>
+                  <a:srgbClr val="000000"/>
+                </a:solidFill>
+                <a:latin typeface="Geneva"/>
+                <a:cs typeface="Geneva"/>
+              </a:rPr>
+              <a:t>en intéraction avec leur environnement</a:t>
+            </a:r>
+          </a:p>
+        </p:txBody>
+      </p:sp>
+      <p:pic>
+        <p:nvPicPr>
+          <p:cNvPr id="4" name="Image 3" descr="KIC1255_artist.png"/>
+          <p:cNvPicPr>
+            <a:picLocks noChangeAspect="1"/>
+          </p:cNvPicPr>
+          <p:nvPr/>
+        </p:nvPicPr>
+        <p:blipFill>
+          <a:blip r:embed="rId3">
+            <a:extLst>
+              <a:ext uri="{28A0092B-C50C-407E-A947-70E740481C1C}">
+                <a14:useLocalDpi xmlns:a14="http://schemas.microsoft.com/office/drawing/2010/main" val="0"/>
+              </a:ext>
+            </a:extLst>
+          </a:blip>
+          <a:stretch>
+            <a:fillRect/>
+          </a:stretch>
+        </p:blipFill>
+        <p:spPr>
+          <a:xfrm>
+            <a:off x="180622" y="2527144"/>
+            <a:ext cx="3382334" cy="3209177"/>
+          </a:xfrm>
+          <a:prstGeom prst="rect">
+            <a:avLst/>
+          </a:prstGeom>
+          <a:ln>
+            <a:noFill/>
+          </a:ln>
+          <a:effectLst>
+            <a:outerShdw blurRad="190500" algn="tl" rotWithShape="0">
+              <a:srgbClr val="000000">
+                <a:alpha val="70000"/>
+              </a:srgbClr>
+            </a:outerShdw>
+          </a:effectLst>
+        </p:spPr>
+      </p:pic>
+      <p:pic>
+        <p:nvPicPr>
+          <p:cNvPr id="31" name="Image 30" descr="1280px-MIT_logo.svg.png"/>
+          <p:cNvPicPr>
+            <a:picLocks noChangeAspect="1"/>
+          </p:cNvPicPr>
+          <p:nvPr/>
+        </p:nvPicPr>
+        <p:blipFill>
+          <a:blip r:embed="rId4">
+            <a:extLst>
+              <a:ext uri="{28A0092B-C50C-407E-A947-70E740481C1C}">
+                <a14:useLocalDpi xmlns:a14="http://schemas.microsoft.com/office/drawing/2010/main" val="0"/>
+              </a:ext>
+            </a:extLst>
+          </a:blip>
+          <a:stretch>
+            <a:fillRect/>
+          </a:stretch>
+        </p:blipFill>
+        <p:spPr>
+          <a:xfrm>
+            <a:off x="7966451" y="807962"/>
+            <a:ext cx="1037727" cy="536699"/>
+          </a:xfrm>
+          <a:prstGeom prst="rect">
+            <a:avLst/>
+          </a:prstGeom>
+        </p:spPr>
+      </p:pic>
+      <p:grpSp>
+        <p:nvGrpSpPr>
+          <p:cNvPr id="12" name="Grouper 11"/>
+          <p:cNvGrpSpPr/>
+          <p:nvPr/>
+        </p:nvGrpSpPr>
+        <p:grpSpPr>
+          <a:xfrm>
+            <a:off x="3776605" y="2315856"/>
+            <a:ext cx="5381355" cy="1137917"/>
+            <a:chOff x="3691425" y="1828653"/>
+            <a:chExt cx="5381355" cy="1137917"/>
+          </a:xfrm>
+        </p:grpSpPr>
+        <p:sp>
+          <p:nvSpPr>
+            <p:cNvPr id="32" name="Rectangle à coins arrondis 31"/>
+            <p:cNvSpPr/>
+            <p:nvPr/>
+          </p:nvSpPr>
+          <p:spPr>
+            <a:xfrm>
+              <a:off x="3691425" y="1828653"/>
+              <a:ext cx="5215703" cy="508001"/>
+            </a:xfrm>
+            <a:prstGeom prst="roundRect">
+              <a:avLst/>
+            </a:prstGeom>
+            <a:solidFill>
+              <a:srgbClr val="F7ECCC"/>
+            </a:solidFill>
+            <a:ln>
+              <a:solidFill>
+                <a:schemeClr val="tx1"/>
+              </a:solidFill>
+            </a:ln>
+            <a:effectLst>
+              <a:outerShdw blurRad="50800" dist="38100" dir="8100000" algn="tr" rotWithShape="0">
+                <a:prstClr val="black">
+                  <a:alpha val="40000"/>
+                </a:prstClr>
+              </a:outerShdw>
+            </a:effectLst>
+          </p:spPr>
+          <p:style>
+            <a:lnRef idx="1">
+              <a:schemeClr val="accent1"/>
+            </a:lnRef>
+            <a:fillRef idx="3">
+              <a:schemeClr val="accent1"/>
+            </a:fillRef>
+            <a:effectRef idx="2">
+              <a:schemeClr val="accent1"/>
+            </a:effectRef>
+            <a:fontRef idx="minor">
+              <a:schemeClr val="lt1"/>
+            </a:fontRef>
+          </p:style>
+          <p:txBody>
+            <a:bodyPr rtlCol="0" anchor="ctr"/>
+            <a:lstStyle/>
+            <a:p>
+              <a:pPr algn="ctr"/>
+              <a:r>
+                <a:rPr lang="fr-FR">
+                  <a:ln>
+                    <a:solidFill>
+                      <a:schemeClr val="tx1"/>
+                    </a:solidFill>
+                  </a:ln>
+                  <a:solidFill>
+                    <a:schemeClr val="tx1"/>
+                  </a:solidFill>
+                </a:rPr>
+                <a:t>Rappaport, Levine, Chiang, </a:t>
+              </a:r>
+              <a:r>
+                <a:rPr lang="fr-FR" b="1">
+                  <a:ln>
+                    <a:solidFill>
+                      <a:schemeClr val="tx1"/>
+                    </a:solidFill>
+                  </a:ln>
+                  <a:solidFill>
+                    <a:schemeClr val="tx1"/>
+                  </a:solidFill>
+                </a:rPr>
+                <a:t>El Mellah </a:t>
+              </a:r>
+              <a:r>
+                <a:rPr lang="fr-FR">
+                  <a:ln>
+                    <a:solidFill>
+                      <a:schemeClr val="tx1"/>
+                    </a:solidFill>
+                  </a:ln>
+                  <a:solidFill>
+                    <a:schemeClr val="tx1"/>
+                  </a:solidFill>
+                </a:rPr>
+                <a:t>et al., ApJ 2012</a:t>
+              </a:r>
+              <a:endParaRPr lang="fr-FR">
+                <a:solidFill>
+                  <a:schemeClr val="tx1"/>
+                </a:solidFill>
+              </a:endParaRPr>
+            </a:p>
+          </p:txBody>
+        </p:sp>
+        <p:sp>
+          <p:nvSpPr>
+            <p:cNvPr id="33" name="Rectangle 32"/>
+            <p:cNvSpPr/>
+            <p:nvPr/>
+          </p:nvSpPr>
+          <p:spPr>
+            <a:xfrm>
+              <a:off x="3691425" y="2336654"/>
+              <a:ext cx="5381355" cy="629916"/>
+            </a:xfrm>
+            <a:prstGeom prst="rect">
+              <a:avLst/>
+            </a:prstGeom>
+          </p:spPr>
+          <p:txBody>
+            <a:bodyPr wrap="square">
+              <a:spAutoFit/>
+            </a:bodyPr>
+            <a:lstStyle/>
+            <a:p>
+              <a:pPr marL="171450" lvl="0" indent="-171450">
+                <a:lnSpc>
+                  <a:spcPct val="110000"/>
+                </a:lnSpc>
+                <a:buSzPct val="100000"/>
+                <a:buBlip>
+                  <a:blip r:embed="rId5"/>
+                </a:buBlip>
+              </a:pPr>
+              <a:r>
+                <a:rPr lang="en-US" sz="1600">
+                  <a:solidFill>
+                    <a:srgbClr val="000000"/>
+                  </a:solidFill>
+                  <a:latin typeface="Geneva"/>
+                  <a:cs typeface="Geneva"/>
+                </a:rPr>
+                <a:t> sub-Mercure en désintégration</a:t>
+              </a:r>
+            </a:p>
+            <a:p>
+              <a:pPr marL="171450" lvl="0" indent="-171450">
+                <a:lnSpc>
+                  <a:spcPct val="110000"/>
+                </a:lnSpc>
+                <a:buSzPct val="100000"/>
+                <a:buBlip>
+                  <a:blip r:embed="rId5"/>
+                </a:buBlip>
+              </a:pPr>
+              <a:r>
+                <a:rPr lang="en-US" sz="1600">
+                  <a:solidFill>
+                    <a:srgbClr val="000000"/>
+                  </a:solidFill>
+                  <a:latin typeface="Geneva"/>
+                  <a:cs typeface="Geneva"/>
+                </a:rPr>
+                <a:t> </a:t>
+              </a:r>
+              <a:r>
+                <a:rPr lang="en-US" sz="1600" u="sng">
+                  <a:solidFill>
+                    <a:srgbClr val="000000"/>
+                  </a:solidFill>
+                  <a:latin typeface="Geneva"/>
+                  <a:cs typeface="Geneva"/>
+                </a:rPr>
+                <a:t>ma contribution :</a:t>
+              </a:r>
+              <a:r>
+                <a:rPr lang="en-US" sz="1600">
+                  <a:solidFill>
+                    <a:srgbClr val="000000"/>
+                  </a:solidFill>
+                  <a:latin typeface="Geneva"/>
+                  <a:cs typeface="Geneva"/>
+                </a:rPr>
+                <a:t> identification &amp; modélisation</a:t>
+              </a:r>
+              <a:endParaRPr lang="en-US" sz="1600">
+                <a:solidFill>
+                  <a:srgbClr val="000000"/>
+                </a:solidFill>
+                <a:latin typeface="Geneva"/>
+                <a:cs typeface="Geneva"/>
+              </a:endParaRPr>
+            </a:p>
+          </p:txBody>
+        </p:sp>
+      </p:grpSp>
+      <p:grpSp>
+        <p:nvGrpSpPr>
+          <p:cNvPr id="10" name="Grouper 9"/>
+          <p:cNvGrpSpPr/>
+          <p:nvPr/>
+        </p:nvGrpSpPr>
+        <p:grpSpPr>
+          <a:xfrm>
+            <a:off x="3776605" y="3712591"/>
+            <a:ext cx="4580745" cy="1149787"/>
+            <a:chOff x="3691425" y="3114670"/>
+            <a:chExt cx="4580745" cy="1149787"/>
+          </a:xfrm>
+        </p:grpSpPr>
+        <p:sp>
+          <p:nvSpPr>
+            <p:cNvPr id="38" name="Rectangle à coins arrondis 37"/>
+            <p:cNvSpPr/>
+            <p:nvPr/>
+          </p:nvSpPr>
+          <p:spPr>
+            <a:xfrm>
+              <a:off x="3691425" y="3114670"/>
+              <a:ext cx="3157298" cy="508001"/>
+            </a:xfrm>
+            <a:prstGeom prst="roundRect">
+              <a:avLst/>
+            </a:prstGeom>
+            <a:solidFill>
+              <a:srgbClr val="F7ECCC"/>
+            </a:solidFill>
+            <a:ln>
+              <a:solidFill>
+                <a:schemeClr val="tx1"/>
+              </a:solidFill>
+            </a:ln>
+            <a:effectLst>
+              <a:outerShdw blurRad="50800" dist="38100" dir="8100000" algn="tr" rotWithShape="0">
+                <a:prstClr val="black">
+                  <a:alpha val="40000"/>
+                </a:prstClr>
+              </a:outerShdw>
+            </a:effectLst>
+          </p:spPr>
+          <p:style>
+            <a:lnRef idx="1">
+              <a:schemeClr val="accent1"/>
+            </a:lnRef>
+            <a:fillRef idx="3">
+              <a:schemeClr val="accent1"/>
+            </a:fillRef>
+            <a:effectRef idx="2">
+              <a:schemeClr val="accent1"/>
+            </a:effectRef>
+            <a:fontRef idx="minor">
+              <a:schemeClr val="lt1"/>
+            </a:fontRef>
+          </p:style>
+          <p:txBody>
+            <a:bodyPr rtlCol="0" anchor="ctr"/>
+            <a:lstStyle/>
+            <a:p>
+              <a:pPr algn="ctr"/>
+              <a:r>
+                <a:rPr lang="fr-FR">
+                  <a:ln>
+                    <a:solidFill>
+                      <a:schemeClr val="tx1"/>
+                    </a:solidFill>
+                  </a:ln>
+                  <a:solidFill>
+                    <a:schemeClr val="tx1"/>
+                  </a:solidFill>
+                </a:rPr>
+                <a:t>Sanchis-Ojeda et al., ApJ 2014</a:t>
+              </a:r>
+              <a:endParaRPr lang="fr-FR">
+                <a:solidFill>
+                  <a:schemeClr val="tx1"/>
+                </a:solidFill>
+              </a:endParaRPr>
+            </a:p>
+          </p:txBody>
+        </p:sp>
+        <p:sp>
+          <p:nvSpPr>
+            <p:cNvPr id="39" name="Rectangle 38"/>
+            <p:cNvSpPr/>
+            <p:nvPr/>
+          </p:nvSpPr>
+          <p:spPr>
+            <a:xfrm>
+              <a:off x="3691425" y="3634541"/>
+              <a:ext cx="4580745" cy="629916"/>
+            </a:xfrm>
+            <a:prstGeom prst="rect">
+              <a:avLst/>
+            </a:prstGeom>
+          </p:spPr>
+          <p:txBody>
+            <a:bodyPr wrap="square">
+              <a:spAutoFit/>
+            </a:bodyPr>
+            <a:lstStyle/>
+            <a:p>
+              <a:pPr marL="171450" lvl="0" indent="-171450">
+                <a:lnSpc>
+                  <a:spcPct val="110000"/>
+                </a:lnSpc>
+                <a:buSzPct val="100000"/>
+                <a:buBlip>
+                  <a:blip r:embed="rId5"/>
+                </a:buBlip>
+              </a:pPr>
+              <a:r>
+                <a:rPr lang="en-US" sz="1600">
+                  <a:solidFill>
+                    <a:srgbClr val="000000"/>
+                  </a:solidFill>
+                  <a:latin typeface="Geneva"/>
+                  <a:cs typeface="Geneva"/>
+                </a:rPr>
+                <a:t> exoplanètes à courte période</a:t>
+              </a:r>
+            </a:p>
+            <a:p>
+              <a:pPr marL="171450" lvl="0" indent="-171450">
+                <a:lnSpc>
+                  <a:spcPct val="110000"/>
+                </a:lnSpc>
+                <a:buSzPct val="100000"/>
+                <a:buBlip>
+                  <a:blip r:embed="rId5"/>
+                </a:buBlip>
+              </a:pPr>
+              <a:r>
+                <a:rPr lang="en-US" sz="1600">
+                  <a:solidFill>
+                    <a:srgbClr val="000000"/>
+                  </a:solidFill>
+                  <a:latin typeface="Geneva"/>
+                  <a:cs typeface="Geneva"/>
+                </a:rPr>
+                <a:t> </a:t>
+              </a:r>
+              <a:r>
+                <a:rPr lang="en-US" sz="1600" u="sng">
+                  <a:solidFill>
+                    <a:srgbClr val="000000"/>
+                  </a:solidFill>
+                  <a:latin typeface="Geneva"/>
+                  <a:cs typeface="Geneva"/>
+                </a:rPr>
+                <a:t>ma contribution :</a:t>
+              </a:r>
+              <a:r>
+                <a:rPr lang="en-US" sz="1600">
+                  <a:solidFill>
+                    <a:srgbClr val="000000"/>
+                  </a:solidFill>
+                  <a:latin typeface="Geneva"/>
+                  <a:cs typeface="Geneva"/>
+                </a:rPr>
+                <a:t> algorithme de recherche</a:t>
+              </a:r>
+            </a:p>
+          </p:txBody>
+        </p:sp>
+      </p:grpSp>
+      <p:pic>
+        <p:nvPicPr>
+          <p:cNvPr id="7" name="Image 6" descr="Kepler_Logo.png"/>
+          <p:cNvPicPr>
+            <a:picLocks noChangeAspect="1"/>
+          </p:cNvPicPr>
+          <p:nvPr/>
+        </p:nvPicPr>
+        <p:blipFill>
+          <a:blip r:embed="rId6">
+            <a:extLst>
+              <a:ext uri="{28A0092B-C50C-407E-A947-70E740481C1C}">
+                <a14:useLocalDpi xmlns:a14="http://schemas.microsoft.com/office/drawing/2010/main" val="0"/>
+              </a:ext>
+            </a:extLst>
+          </a:blip>
+          <a:stretch>
+            <a:fillRect/>
+          </a:stretch>
+        </p:blipFill>
+        <p:spPr>
+          <a:xfrm>
+            <a:off x="97532" y="687482"/>
+            <a:ext cx="2053431" cy="825039"/>
+          </a:xfrm>
+          <a:prstGeom prst="rect">
+            <a:avLst/>
+          </a:prstGeom>
+        </p:spPr>
+      </p:pic>
+      <p:grpSp>
+        <p:nvGrpSpPr>
+          <p:cNvPr id="9" name="Grouper 8"/>
+          <p:cNvGrpSpPr/>
+          <p:nvPr/>
+        </p:nvGrpSpPr>
+        <p:grpSpPr>
+          <a:xfrm>
+            <a:off x="3776605" y="5133907"/>
+            <a:ext cx="5381355" cy="1184850"/>
+            <a:chOff x="147408" y="5031691"/>
+            <a:chExt cx="5381355" cy="1184850"/>
+          </a:xfrm>
+        </p:grpSpPr>
+        <p:sp>
+          <p:nvSpPr>
+            <p:cNvPr id="34" name="Rectangle à coins arrondis 33"/>
+            <p:cNvSpPr/>
+            <p:nvPr/>
+          </p:nvSpPr>
+          <p:spPr>
+            <a:xfrm>
+              <a:off x="147408" y="5031691"/>
+              <a:ext cx="2901141" cy="508001"/>
+            </a:xfrm>
+            <a:prstGeom prst="roundRect">
+              <a:avLst/>
+            </a:prstGeom>
+            <a:solidFill>
+              <a:srgbClr val="F7ECCC"/>
+            </a:solidFill>
+            <a:ln>
+              <a:solidFill>
+                <a:schemeClr val="tx1"/>
+              </a:solidFill>
+            </a:ln>
+            <a:effectLst>
+              <a:outerShdw blurRad="50800" dist="38100" dir="8100000" algn="tr" rotWithShape="0">
+                <a:prstClr val="black">
+                  <a:alpha val="40000"/>
+                </a:prstClr>
+              </a:outerShdw>
+            </a:effectLst>
+          </p:spPr>
+          <p:style>
+            <a:lnRef idx="1">
+              <a:schemeClr val="accent1"/>
+            </a:lnRef>
+            <a:fillRef idx="3">
+              <a:schemeClr val="accent1"/>
+            </a:fillRef>
+            <a:effectRef idx="2">
+              <a:schemeClr val="accent1"/>
+            </a:effectRef>
+            <a:fontRef idx="minor">
+              <a:schemeClr val="lt1"/>
+            </a:fontRef>
+          </p:style>
+          <p:txBody>
+            <a:bodyPr rtlCol="0" anchor="ctr"/>
+            <a:lstStyle/>
+            <a:p>
+              <a:pPr algn="ctr"/>
+              <a:r>
+                <a:rPr lang="fr-FR">
+                  <a:ln>
+                    <a:solidFill>
+                      <a:schemeClr val="tx1"/>
+                    </a:solidFill>
+                  </a:ln>
+                  <a:solidFill>
+                    <a:schemeClr val="tx1"/>
+                  </a:solidFill>
+                </a:rPr>
+                <a:t>Rappaport et al., ApJ 2013</a:t>
+              </a:r>
+              <a:endParaRPr lang="fr-FR">
+                <a:solidFill>
+                  <a:schemeClr val="tx1"/>
+                </a:solidFill>
+              </a:endParaRPr>
+            </a:p>
+          </p:txBody>
+        </p:sp>
+        <p:sp>
+          <p:nvSpPr>
+            <p:cNvPr id="40" name="Rectangle 39"/>
+            <p:cNvSpPr/>
+            <p:nvPr/>
+          </p:nvSpPr>
+          <p:spPr>
+            <a:xfrm>
+              <a:off x="147408" y="5586625"/>
+              <a:ext cx="5381355" cy="629916"/>
+            </a:xfrm>
+            <a:prstGeom prst="rect">
+              <a:avLst/>
+            </a:prstGeom>
+          </p:spPr>
+          <p:txBody>
+            <a:bodyPr wrap="square">
+              <a:spAutoFit/>
+            </a:bodyPr>
+            <a:lstStyle/>
+            <a:p>
+              <a:pPr marL="171450" lvl="0" indent="-171450">
+                <a:lnSpc>
+                  <a:spcPct val="110000"/>
+                </a:lnSpc>
+                <a:buSzPct val="100000"/>
+                <a:buBlip>
+                  <a:blip r:embed="rId5"/>
+                </a:buBlip>
+              </a:pPr>
+              <a:r>
+                <a:rPr lang="en-US" sz="1600">
+                  <a:solidFill>
+                    <a:srgbClr val="000000"/>
+                  </a:solidFill>
+                  <a:latin typeface="Geneva"/>
+                  <a:cs typeface="Geneva"/>
+                </a:rPr>
+                <a:t> systèmes triples</a:t>
+              </a:r>
+            </a:p>
+            <a:p>
+              <a:pPr marL="171450" lvl="0" indent="-171450">
+                <a:lnSpc>
+                  <a:spcPct val="110000"/>
+                </a:lnSpc>
+                <a:buSzPct val="100000"/>
+                <a:buBlip>
+                  <a:blip r:embed="rId5"/>
+                </a:buBlip>
+              </a:pPr>
+              <a:r>
+                <a:rPr lang="en-US" sz="1600">
+                  <a:solidFill>
+                    <a:srgbClr val="000000"/>
+                  </a:solidFill>
+                  <a:latin typeface="Geneva"/>
+                  <a:cs typeface="Geneva"/>
+                </a:rPr>
+                <a:t> </a:t>
+              </a:r>
+              <a:r>
+                <a:rPr lang="en-US" sz="1600" u="sng">
+                  <a:solidFill>
+                    <a:srgbClr val="000000"/>
+                  </a:solidFill>
+                  <a:latin typeface="Geneva"/>
+                  <a:cs typeface="Geneva"/>
+                </a:rPr>
+                <a:t>ma contribution :</a:t>
+              </a:r>
+              <a:r>
+                <a:rPr lang="en-US" sz="1600">
+                  <a:solidFill>
+                    <a:srgbClr val="000000"/>
+                  </a:solidFill>
+                  <a:latin typeface="Geneva"/>
+                  <a:cs typeface="Geneva"/>
+                </a:rPr>
+                <a:t> réduction des données</a:t>
+              </a:r>
+              <a:endParaRPr lang="en-US" sz="1600">
+                <a:solidFill>
+                  <a:srgbClr val="000000"/>
+                </a:solidFill>
+                <a:latin typeface="Geneva"/>
+                <a:cs typeface="Geneva"/>
+              </a:endParaRPr>
+            </a:p>
+          </p:txBody>
+        </p:sp>
+      </p:grpSp>
+    </p:spTree>
+    <p:extLst>
+      <p:ext uri="{BB962C8B-B14F-4D97-AF65-F5344CB8AC3E}">
+        <p14:creationId xmlns:p14="http://schemas.microsoft.com/office/powerpoint/2010/main" val="52610700"/>
+      </p:ext>
+    </p:extLst>
+  </p:cSld>
+  <p:clrMapOvr>
+    <a:masterClrMapping/>
+  </p:clrMapOvr>
+  <p:timing>
+    <p:tnLst>
+      <p:par>
+        <p:cTn xmlns:p14="http://schemas.microsoft.com/office/powerpoint/2010/main" id="1" dur="indefinite" restart="never" nodeType="tmRoot"/>
+      </p:par>
+    </p:tnLst>
+  </p:timing>
+</p:sld>
+</file>
+
+<file path=ppt/slides/slide4.xml><?xml version="1.0" encoding="utf-8"?>
+<p:sld xmlns:a="http://schemas.openxmlformats.org/drawingml/2006/main" xmlns:r="http://schemas.openxmlformats.org/officeDocument/2006/relationships" xmlns:p="http://schemas.openxmlformats.org/presentationml/2006/main">
+  <p:cSld>
+    <p:spTree>
+      <p:nvGrpSpPr>
+        <p:cNvPr id="1" name=""/>
+        <p:cNvGrpSpPr/>
+        <p:nvPr/>
+      </p:nvGrpSpPr>
+      <p:grpSpPr>
+        <a:xfrm>
+          <a:off x="0" y="0"/>
+          <a:ext cx="0" cy="0"/>
+          <a:chOff x="0" y="0"/>
+          <a:chExt cx="0" cy="0"/>
+        </a:xfrm>
+      </p:grpSpPr>
+      <p:sp>
+        <p:nvSpPr>
+          <p:cNvPr id="6" name="Rectangle 5"/>
+          <p:cNvSpPr/>
+          <p:nvPr/>
+        </p:nvSpPr>
+        <p:spPr>
+          <a:xfrm>
+            <a:off x="0" y="0"/>
+            <a:ext cx="9157961" cy="540480"/>
+          </a:xfrm>
+          <a:prstGeom prst="rect">
+            <a:avLst/>
+          </a:prstGeom>
+          <a:solidFill>
+            <a:schemeClr val="lt1">
+              <a:alpha val="50000"/>
+            </a:schemeClr>
+          </a:solidFill>
+          <a:ln>
+            <a:noFill/>
+          </a:ln>
+          <a:effectLst>
+            <a:outerShdw blurRad="82550" dir="2700000" sx="120000" sy="120000" algn="tl" rotWithShape="0">
+              <a:prstClr val="black">
+                <a:alpha val="70000"/>
+              </a:prstClr>
+            </a:outerShdw>
+          </a:effectLst>
+        </p:spPr>
+        <p:style>
+          <a:lnRef idx="2">
+            <a:schemeClr val="dk1"/>
+          </a:lnRef>
+          <a:fillRef idx="1">
+            <a:schemeClr val="lt1"/>
+          </a:fillRef>
+          <a:effectRef idx="0">
+            <a:schemeClr val="dk1"/>
+          </a:effectRef>
+          <a:fontRef idx="minor">
+            <a:schemeClr val="dk1"/>
+          </a:fontRef>
+        </p:style>
+        <p:txBody>
+          <a:bodyPr rtlCol="0" anchor="ctr"/>
+          <a:lstStyle/>
+          <a:p>
+            <a:r>
+              <a:rPr lang="en-US" sz="2000" b="1" dirty="0">
+                <a:latin typeface="Geneva"/>
+                <a:cs typeface="Geneva"/>
+              </a:rPr>
               <a:t> Binaires X de forte masse – Contexte</a:t>
             </a:r>
             <a:endParaRPr lang="en-US" sz="2000" b="1" dirty="0" smtClean="0">
@@ -11746,7 +13134,7 @@
     </p:spTree>
     <p:extLst>
       <p:ext uri="{BB962C8B-B14F-4D97-AF65-F5344CB8AC3E}">
-        <p14:creationId xmlns:p14="http://schemas.microsoft.com/office/powerpoint/2010/main" val="52610700"/>
+        <p14:creationId xmlns:p14="http://schemas.microsoft.com/office/powerpoint/2010/main" val="3359976749"/>
       </p:ext>
     </p:extLst>
   </p:cSld>
@@ -11763,7 +13151,7 @@
 </p:sld>
 </file>
 
-<file path=ppt/slides/slide4.xml><?xml version="1.0" encoding="utf-8"?>
+<file path=ppt/slides/slide5.xml><?xml version="1.0" encoding="utf-8"?>
 <p:sld xmlns:a="http://schemas.openxmlformats.org/drawingml/2006/main" xmlns:r="http://schemas.openxmlformats.org/officeDocument/2006/relationships" xmlns:p="http://schemas.openxmlformats.org/presentationml/2006/main">
   <p:cSld>
     <p:spTree>
@@ -11976,7 +13364,7 @@
         </p:nvSpPr>
         <p:spPr>
           <a:xfrm>
-            <a:off x="4580745" y="2542586"/>
+            <a:off x="4023780" y="2521212"/>
             <a:ext cx="2636837" cy="398237"/>
           </a:xfrm>
           <a:prstGeom prst="roundRect">
@@ -12042,8 +13430,8 @@
         </p:nvSpPr>
         <p:spPr>
           <a:xfrm>
-            <a:off x="1943908" y="2991624"/>
-            <a:ext cx="2636837" cy="398237"/>
+            <a:off x="85613" y="2907579"/>
+            <a:ext cx="2098383" cy="398237"/>
           </a:xfrm>
           <a:prstGeom prst="roundRect">
             <a:avLst>
@@ -12118,8 +13506,8 @@
         </p:nvSpPr>
         <p:spPr>
           <a:xfrm>
-            <a:off x="4580745" y="3437341"/>
-            <a:ext cx="2636837" cy="398237"/>
+            <a:off x="5436251" y="4301946"/>
+            <a:ext cx="1781330" cy="398237"/>
           </a:xfrm>
           <a:prstGeom prst="roundRect">
             <a:avLst>
@@ -12178,79 +13566,13 @@
       </p:sp>
       <p:sp>
         <p:nvSpPr>
-          <p:cNvPr id="12" name="Rounded Rectangle 39"/>
-          <p:cNvSpPr/>
-          <p:nvPr/>
-        </p:nvSpPr>
-        <p:spPr>
-          <a:xfrm>
-            <a:off x="1943908" y="3891243"/>
-            <a:ext cx="2636837" cy="398237"/>
-          </a:xfrm>
-          <a:prstGeom prst="roundRect">
-            <a:avLst>
-              <a:gd name="adj" fmla="val 3600"/>
-            </a:avLst>
-          </a:prstGeom>
-          <a:solidFill>
-            <a:srgbClr val="FFFDFA"/>
-          </a:solidFill>
-          <a:ln w="12700" cap="sq" cmpd="sng">
-            <a:solidFill>
-              <a:srgbClr val="000000"/>
-            </a:solidFill>
-            <a:miter lim="800000"/>
-          </a:ln>
-          <a:effectLst/>
-        </p:spPr>
-        <p:style>
-          <a:lnRef idx="1">
-            <a:schemeClr val="accent1"/>
-          </a:lnRef>
-          <a:fillRef idx="3">
-            <a:schemeClr val="accent1"/>
-          </a:fillRef>
-          <a:effectRef idx="2">
-            <a:schemeClr val="accent1"/>
-          </a:effectRef>
-          <a:fontRef idx="minor">
-            <a:schemeClr val="lt1"/>
-          </a:fontRef>
-        </p:style>
-        <p:txBody>
-          <a:bodyPr rtlCol="0" anchor="ctr"/>
-          <a:lstStyle/>
-          <a:p>
-            <a:pPr algn="ctr"/>
-            <a:r>
-              <a:rPr lang="en-US" sz="1600" b="1" cap="small" dirty="0" smtClean="0">
-                <a:solidFill>
-                  <a:srgbClr val="000000"/>
-                </a:solidFill>
-                <a:latin typeface="Geneva"/>
-                <a:cs typeface="Geneva"/>
-              </a:rPr>
-              <a:t>Rétroaction galactique</a:t>
-            </a:r>
-            <a:endParaRPr lang="en-US" sz="1600" b="1" cap="small" dirty="0">
-              <a:solidFill>
-                <a:srgbClr val="000000"/>
-              </a:solidFill>
-              <a:latin typeface="Geneva"/>
-              <a:cs typeface="Geneva"/>
-            </a:endParaRPr>
-          </a:p>
-        </p:txBody>
-      </p:sp>
-      <p:sp>
-        <p:nvSpPr>
           <p:cNvPr id="13" name="Rectangle 12"/>
           <p:cNvSpPr/>
           <p:nvPr/>
         </p:nvSpPr>
         <p:spPr>
           <a:xfrm>
-            <a:off x="6350207" y="685926"/>
+            <a:off x="6433297" y="685926"/>
             <a:ext cx="2793794" cy="923330"/>
           </a:xfrm>
           <a:prstGeom prst="rect">
@@ -12326,8 +13648,8 @@
         </p:nvSpPr>
         <p:spPr>
           <a:xfrm>
-            <a:off x="278050" y="2542586"/>
-            <a:ext cx="8224371" cy="923330"/>
+            <a:off x="1404032" y="725568"/>
+            <a:ext cx="4580745" cy="923330"/>
           </a:xfrm>
           <a:prstGeom prst="rect">
             <a:avLst/>
@@ -12409,7 +13731,7 @@
         </p:nvGrpSpPr>
         <p:grpSpPr>
           <a:xfrm>
-            <a:off x="3872898" y="725467"/>
+            <a:off x="3955988" y="725467"/>
             <a:ext cx="2477309" cy="1677605"/>
             <a:chOff x="3872898" y="725467"/>
             <a:chExt cx="2477309" cy="1677605"/>
@@ -12493,6 +13815,401 @@
           </p:txBody>
         </p:sp>
       </p:grpSp>
+      <p:pic>
+        <p:nvPicPr>
+          <p:cNvPr id="5" name="Image 4" descr="NS.jpg"/>
+          <p:cNvPicPr>
+            <a:picLocks noChangeAspect="1"/>
+          </p:cNvPicPr>
+          <p:nvPr/>
+        </p:nvPicPr>
+        <p:blipFill rotWithShape="1">
+          <a:blip r:embed="rId5">
+            <a:extLst>
+              <a:ext uri="{28A0092B-C50C-407E-A947-70E740481C1C}">
+                <a14:useLocalDpi xmlns:a14="http://schemas.microsoft.com/office/drawing/2010/main" val="0"/>
+              </a:ext>
+            </a:extLst>
+          </a:blip>
+          <a:srcRect l="30375" t="7018" r="35875"/>
+          <a:stretch/>
+        </p:blipFill>
+        <p:spPr>
+          <a:xfrm>
+            <a:off x="74644" y="713597"/>
+            <a:ext cx="1353128" cy="2096942"/>
+          </a:xfrm>
+          <a:prstGeom prst="rect">
+            <a:avLst/>
+          </a:prstGeom>
+          <a:ln>
+            <a:noFill/>
+          </a:ln>
+          <a:effectLst>
+            <a:outerShdw blurRad="190500" algn="tl" rotWithShape="0">
+              <a:srgbClr val="000000">
+                <a:alpha val="70000"/>
+              </a:srgbClr>
+            </a:outerShdw>
+          </a:effectLst>
+        </p:spPr>
+      </p:pic>
+      <p:sp>
+        <p:nvSpPr>
+          <p:cNvPr id="18" name="Rectangle 17"/>
+          <p:cNvSpPr/>
+          <p:nvPr/>
+        </p:nvSpPr>
+        <p:spPr>
+          <a:xfrm>
+            <a:off x="85613" y="4860039"/>
+            <a:ext cx="2793794" cy="923330"/>
+          </a:xfrm>
+          <a:prstGeom prst="rect">
+            <a:avLst/>
+          </a:prstGeom>
+        </p:spPr>
+        <p:txBody>
+          <a:bodyPr wrap="square">
+            <a:spAutoFit/>
+          </a:bodyPr>
+          <a:lstStyle/>
+          <a:p>
+            <a:pPr marL="171450" lvl="0" indent="-171450">
+              <a:buSzPct val="100000"/>
+              <a:buBlip>
+                <a:blip r:embed="rId3"/>
+              </a:buBlip>
+            </a:pPr>
+            <a:r>
+              <a:rPr lang="en-US">
+                <a:solidFill>
+                  <a:srgbClr val="000000"/>
+                </a:solidFill>
+                <a:latin typeface="Geneva"/>
+                <a:cs typeface="Geneva"/>
+              </a:rPr>
+              <a:t> jets &amp; vents</a:t>
+            </a:r>
+          </a:p>
+          <a:p>
+            <a:pPr marL="171450" lvl="0" indent="-171450">
+              <a:buSzPct val="100000"/>
+              <a:buBlip>
+                <a:blip r:embed="rId3"/>
+              </a:buBlip>
+            </a:pPr>
+            <a:r>
+              <a:rPr lang="en-US">
+                <a:solidFill>
+                  <a:srgbClr val="000000"/>
+                </a:solidFill>
+                <a:latin typeface="Geneva"/>
+                <a:cs typeface="Geneva"/>
+              </a:rPr>
+              <a:t> luminosité</a:t>
+            </a:r>
+          </a:p>
+          <a:p>
+            <a:pPr marL="171450" lvl="0" indent="-171450">
+              <a:buSzPct val="100000"/>
+              <a:buBlip>
+                <a:blip r:embed="rId3"/>
+              </a:buBlip>
+            </a:pPr>
+            <a:r>
+              <a:rPr lang="en-US">
+                <a:solidFill>
+                  <a:srgbClr val="000000"/>
+                </a:solidFill>
+                <a:latin typeface="Geneva"/>
+                <a:cs typeface="Geneva"/>
+              </a:rPr>
+              <a:t> nucléosynthèse</a:t>
+            </a:r>
+          </a:p>
+        </p:txBody>
+      </p:sp>
+      <p:sp>
+        <p:nvSpPr>
+          <p:cNvPr id="17" name="Rectangle 16"/>
+          <p:cNvSpPr/>
+          <p:nvPr/>
+        </p:nvSpPr>
+        <p:spPr>
+          <a:xfrm>
+            <a:off x="2372399" y="2998234"/>
+            <a:ext cx="4307940" cy="1001813"/>
+          </a:xfrm>
+          <a:prstGeom prst="rect">
+            <a:avLst/>
+          </a:prstGeom>
+        </p:spPr>
+        <p:txBody>
+          <a:bodyPr wrap="none">
+            <a:spAutoFit/>
+          </a:bodyPr>
+          <a:lstStyle/>
+          <a:p>
+            <a:pPr lvl="0" algn="ctr">
+              <a:lnSpc>
+                <a:spcPct val="110000"/>
+              </a:lnSpc>
+              <a:buSzPct val="100000"/>
+            </a:pPr>
+            <a:r>
+              <a:rPr lang="en-US" b="1" i="1" dirty="0">
+                <a:solidFill>
+                  <a:srgbClr val="000000"/>
+                </a:solidFill>
+                <a:latin typeface="Geneva"/>
+                <a:cs typeface="Geneva"/>
+              </a:rPr>
+              <a:t>La majorité des étoiles massives</a:t>
+            </a:r>
+          </a:p>
+          <a:p>
+            <a:pPr lvl="0" algn="ctr">
+              <a:lnSpc>
+                <a:spcPct val="110000"/>
+              </a:lnSpc>
+              <a:buSzPct val="100000"/>
+            </a:pPr>
+            <a:r>
+              <a:rPr lang="en-US" b="1" i="1" dirty="0">
+                <a:solidFill>
+                  <a:srgbClr val="000000"/>
+                </a:solidFill>
+                <a:latin typeface="Geneva"/>
+                <a:cs typeface="Geneva"/>
+              </a:rPr>
+              <a:t>a au moins un compagnon </a:t>
+            </a:r>
+          </a:p>
+          <a:p>
+            <a:pPr lvl="0" algn="ctr">
+              <a:lnSpc>
+                <a:spcPct val="110000"/>
+              </a:lnSpc>
+              <a:buSzPct val="100000"/>
+            </a:pPr>
+            <a:r>
+              <a:rPr lang="en-US" b="1" i="1" dirty="0">
+                <a:solidFill>
+                  <a:srgbClr val="000000"/>
+                </a:solidFill>
+                <a:latin typeface="Geneva"/>
+                <a:cs typeface="Geneva"/>
+              </a:rPr>
+              <a:t>dont la présence impacte l’évolution</a:t>
+            </a:r>
+          </a:p>
+        </p:txBody>
+      </p:sp>
+      <p:sp>
+        <p:nvSpPr>
+          <p:cNvPr id="20" name="Rectangle 19"/>
+          <p:cNvSpPr/>
+          <p:nvPr/>
+        </p:nvSpPr>
+        <p:spPr>
+          <a:xfrm>
+            <a:off x="5566831" y="3920626"/>
+            <a:ext cx="2373911" cy="246221"/>
+          </a:xfrm>
+          <a:prstGeom prst="rect">
+            <a:avLst/>
+          </a:prstGeom>
+        </p:spPr>
+        <p:txBody>
+          <a:bodyPr wrap="square">
+            <a:spAutoFit/>
+          </a:bodyPr>
+          <a:lstStyle/>
+          <a:p>
+            <a:pPr lvl="0">
+              <a:buSzPct val="100000"/>
+            </a:pPr>
+            <a:r>
+              <a:rPr lang="en-US" sz="1000" i="1">
+                <a:solidFill>
+                  <a:srgbClr val="000000"/>
+                </a:solidFill>
+                <a:latin typeface="Geneva"/>
+                <a:cs typeface="Geneva"/>
+              </a:rPr>
+              <a:t>Sana+2012</a:t>
+            </a:r>
+            <a:endParaRPr lang="en-US" sz="1000" i="1">
+              <a:solidFill>
+                <a:srgbClr val="000000"/>
+              </a:solidFill>
+              <a:latin typeface="Geneva"/>
+              <a:cs typeface="Geneva"/>
+            </a:endParaRPr>
+          </a:p>
+        </p:txBody>
+      </p:sp>
+      <p:sp>
+        <p:nvSpPr>
+          <p:cNvPr id="21" name="Rectangle 20"/>
+          <p:cNvSpPr/>
+          <p:nvPr/>
+        </p:nvSpPr>
+        <p:spPr>
+          <a:xfrm>
+            <a:off x="4333006" y="4884455"/>
+            <a:ext cx="3607736" cy="1200329"/>
+          </a:xfrm>
+          <a:prstGeom prst="rect">
+            <a:avLst/>
+          </a:prstGeom>
+        </p:spPr>
+        <p:txBody>
+          <a:bodyPr wrap="square">
+            <a:spAutoFit/>
+          </a:bodyPr>
+          <a:lstStyle/>
+          <a:p>
+            <a:pPr marL="171450" lvl="0" indent="-171450">
+              <a:buSzPct val="100000"/>
+              <a:buBlip>
+                <a:blip r:embed="rId3"/>
+              </a:buBlip>
+            </a:pPr>
+            <a:r>
+              <a:rPr lang="en-US">
+                <a:solidFill>
+                  <a:srgbClr val="000000"/>
+                </a:solidFill>
+                <a:latin typeface="Geneva"/>
+                <a:cs typeface="Geneva"/>
+              </a:rPr>
+              <a:t> chocs</a:t>
+            </a:r>
+          </a:p>
+          <a:p>
+            <a:pPr marL="171450" lvl="0" indent="-171450">
+              <a:buSzPct val="100000"/>
+              <a:buBlip>
+                <a:blip r:embed="rId3"/>
+              </a:buBlip>
+            </a:pPr>
+            <a:r>
+              <a:rPr lang="en-US">
+                <a:solidFill>
+                  <a:srgbClr val="000000"/>
+                </a:solidFill>
+                <a:latin typeface="Geneva"/>
+                <a:cs typeface="Geneva"/>
+              </a:rPr>
+              <a:t> processus radiatifs</a:t>
+            </a:r>
+          </a:p>
+          <a:p>
+            <a:pPr marL="171450" lvl="0" indent="-171450">
+              <a:buSzPct val="100000"/>
+              <a:buBlip>
+                <a:blip r:embed="rId3"/>
+              </a:buBlip>
+            </a:pPr>
+            <a:r>
+              <a:rPr lang="en-US">
+                <a:solidFill>
+                  <a:srgbClr val="000000"/>
+                </a:solidFill>
+                <a:latin typeface="Geneva"/>
+                <a:cs typeface="Geneva"/>
+              </a:rPr>
+              <a:t> reconnection magnétique</a:t>
+            </a:r>
+          </a:p>
+          <a:p>
+            <a:pPr marL="171450" lvl="0" indent="-171450">
+              <a:buSzPct val="100000"/>
+              <a:buBlip>
+                <a:blip r:embed="rId3"/>
+              </a:buBlip>
+            </a:pPr>
+            <a:r>
+              <a:rPr lang="en-US">
+                <a:solidFill>
+                  <a:srgbClr val="000000"/>
+                </a:solidFill>
+                <a:latin typeface="Geneva"/>
+                <a:cs typeface="Geneva"/>
+              </a:rPr>
+              <a:t> accélération de particules</a:t>
+            </a:r>
+          </a:p>
+        </p:txBody>
+      </p:sp>
+      <p:sp>
+        <p:nvSpPr>
+          <p:cNvPr id="22" name="Rounded Rectangle 39"/>
+          <p:cNvSpPr/>
+          <p:nvPr/>
+        </p:nvSpPr>
+        <p:spPr>
+          <a:xfrm>
+            <a:off x="85613" y="4154977"/>
+            <a:ext cx="2636837" cy="398237"/>
+          </a:xfrm>
+          <a:prstGeom prst="roundRect">
+            <a:avLst>
+              <a:gd name="adj" fmla="val 3600"/>
+            </a:avLst>
+          </a:prstGeom>
+          <a:solidFill>
+            <a:srgbClr val="FFFDFA"/>
+          </a:solidFill>
+          <a:ln w="12700" cap="sq" cmpd="sng">
+            <a:solidFill>
+              <a:srgbClr val="000000"/>
+            </a:solidFill>
+            <a:miter lim="800000"/>
+          </a:ln>
+          <a:effectLst/>
+        </p:spPr>
+        <p:style>
+          <a:lnRef idx="1">
+            <a:schemeClr val="accent1"/>
+          </a:lnRef>
+          <a:fillRef idx="3">
+            <a:schemeClr val="accent1"/>
+          </a:fillRef>
+          <a:effectRef idx="2">
+            <a:schemeClr val="accent1"/>
+          </a:effectRef>
+          <a:fontRef idx="minor">
+            <a:schemeClr val="lt1"/>
+          </a:fontRef>
+        </p:style>
+        <p:txBody>
+          <a:bodyPr rtlCol="0" anchor="ctr"/>
+          <a:lstStyle/>
+          <a:p>
+            <a:pPr algn="ctr"/>
+            <a:r>
+              <a:rPr lang="en-US" sz="1600" b="1" cap="small" dirty="0" smtClean="0">
+                <a:solidFill>
+                  <a:srgbClr val="000000"/>
+                </a:solidFill>
+                <a:latin typeface="Geneva"/>
+                <a:cs typeface="Geneva"/>
+              </a:rPr>
+              <a:t>Rétroaction galactique</a:t>
+            </a:r>
+            <a:endParaRPr lang="en-US" sz="1600" b="1" cap="small" dirty="0">
+              <a:solidFill>
+                <a:srgbClr val="000000"/>
+              </a:solidFill>
+              <a:latin typeface="Geneva"/>
+              <a:cs typeface="Geneva"/>
+            </a:endParaRPr>
+          </a:p>
+        </p:txBody>
+      </p:sp>
     </p:spTree>
     <p:extLst>
       <p:ext uri="{BB962C8B-B14F-4D97-AF65-F5344CB8AC3E}">
@@ -12513,7 +14230,7 @@
 </p:sld>
 </file>
 
-<file path=ppt/slides/slide5.xml><?xml version="1.0" encoding="utf-8"?>
+<file path=ppt/slides/slide6.xml><?xml version="1.0" encoding="utf-8"?>
 <p:sld xmlns:a="http://schemas.openxmlformats.org/drawingml/2006/main" xmlns:r="http://schemas.openxmlformats.org/officeDocument/2006/relationships" xmlns:p="http://schemas.openxmlformats.org/presentationml/2006/main">
   <p:cSld>
     <p:spTree>
@@ -13001,7 +14718,7 @@
 </p:sld>
 </file>
 
-<file path=ppt/slides/slide6.xml><?xml version="1.0" encoding="utf-8"?>
+<file path=ppt/slides/slide7.xml><?xml version="1.0" encoding="utf-8"?>
 <p:sld xmlns:a="http://schemas.openxmlformats.org/drawingml/2006/main" xmlns:r="http://schemas.openxmlformats.org/officeDocument/2006/relationships" xmlns:p="http://schemas.openxmlformats.org/presentationml/2006/main">
   <p:cSld>
     <p:spTree>
@@ -13602,7 +15319,7 @@
 </p:sld>
 </file>
 
-<file path=ppt/slides/slide7.xml><?xml version="1.0" encoding="utf-8"?>
+<file path=ppt/slides/slide8.xml><?xml version="1.0" encoding="utf-8"?>
 <p:sld xmlns:a="http://schemas.openxmlformats.org/drawingml/2006/main" xmlns:r="http://schemas.openxmlformats.org/officeDocument/2006/relationships" xmlns:p="http://schemas.openxmlformats.org/presentationml/2006/main">
   <p:cSld>
     <p:spTree>
@@ -14126,7 +15843,7 @@
 </p:sld>
 </file>
 
-<file path=ppt/slides/slide8.xml><?xml version="1.0" encoding="utf-8"?>
+<file path=ppt/slides/slide9.xml><?xml version="1.0" encoding="utf-8"?>
 <p:sld xmlns:a="http://schemas.openxmlformats.org/drawingml/2006/main" xmlns:r="http://schemas.openxmlformats.org/officeDocument/2006/relationships" xmlns:p="http://schemas.openxmlformats.org/presentationml/2006/main">
   <p:cSld>
     <p:spTree>
@@ -14335,274 +16052,6 @@
     <p:extLst>
       <p:ext uri="{BB962C8B-B14F-4D97-AF65-F5344CB8AC3E}">
         <p14:creationId xmlns:p14="http://schemas.microsoft.com/office/powerpoint/2010/main" val="2965191419"/>
-      </p:ext>
-    </p:extLst>
-  </p:cSld>
-  <p:clrMapOvr>
-    <a:masterClrMapping/>
-  </p:clrMapOvr>
-  <p:timing>
-    <p:tnLst>
-      <p:par>
-        <p:cTn xmlns:p14="http://schemas.microsoft.com/office/powerpoint/2010/main" id="1" dur="indefinite" restart="never" nodeType="tmRoot"/>
-      </p:par>
-    </p:tnLst>
-  </p:timing>
-</p:sld>
-</file>
-
-<file path=ppt/slides/slide9.xml><?xml version="1.0" encoding="utf-8"?>
-<p:sld xmlns:a="http://schemas.openxmlformats.org/drawingml/2006/main" xmlns:r="http://schemas.openxmlformats.org/officeDocument/2006/relationships" xmlns:p="http://schemas.openxmlformats.org/presentationml/2006/main">
-  <p:cSld>
-    <p:spTree>
-      <p:nvGrpSpPr>
-        <p:cNvPr id="1" name=""/>
-        <p:cNvGrpSpPr/>
-        <p:nvPr/>
-      </p:nvGrpSpPr>
-      <p:grpSpPr>
-        <a:xfrm>
-          <a:off x="0" y="0"/>
-          <a:ext cx="0" cy="0"/>
-          <a:chOff x="0" y="0"/>
-          <a:chExt cx="0" cy="0"/>
-        </a:xfrm>
-      </p:grpSpPr>
-      <p:sp>
-        <p:nvSpPr>
-          <p:cNvPr id="6" name="Rectangle 5"/>
-          <p:cNvSpPr/>
-          <p:nvPr/>
-        </p:nvSpPr>
-        <p:spPr>
-          <a:xfrm>
-            <a:off x="0" y="0"/>
-            <a:ext cx="9157961" cy="540480"/>
-          </a:xfrm>
-          <a:prstGeom prst="rect">
-            <a:avLst/>
-          </a:prstGeom>
-          <a:solidFill>
-            <a:schemeClr val="lt1">
-              <a:alpha val="50000"/>
-            </a:schemeClr>
-          </a:solidFill>
-          <a:ln>
-            <a:noFill/>
-          </a:ln>
-          <a:effectLst>
-            <a:outerShdw blurRad="82550" dir="2700000" sx="120000" sy="120000" algn="tl" rotWithShape="0">
-              <a:prstClr val="black">
-                <a:alpha val="70000"/>
-              </a:prstClr>
-            </a:outerShdw>
-          </a:effectLst>
-        </p:spPr>
-        <p:style>
-          <a:lnRef idx="2">
-            <a:schemeClr val="dk1"/>
-          </a:lnRef>
-          <a:fillRef idx="1">
-            <a:schemeClr val="lt1"/>
-          </a:fillRef>
-          <a:effectRef idx="0">
-            <a:schemeClr val="dk1"/>
-          </a:effectRef>
-          <a:fontRef idx="minor">
-            <a:schemeClr val="dk1"/>
-          </a:fontRef>
-        </p:style>
-        <p:txBody>
-          <a:bodyPr rtlCol="0" anchor="ctr"/>
-          <a:lstStyle/>
-          <a:p>
-            <a:r>
-              <a:rPr lang="en-US" sz="2000" b="1" dirty="0">
-                <a:latin typeface="Geneva"/>
-                <a:cs typeface="Geneva"/>
-              </a:rPr>
-              <a:t> XXX</a:t>
-            </a:r>
-            <a:endParaRPr lang="en-US" sz="2000" b="1" dirty="0" smtClean="0">
-              <a:latin typeface="Geneva"/>
-              <a:cs typeface="Geneva"/>
-            </a:endParaRPr>
-          </a:p>
-        </p:txBody>
-      </p:sp>
-      <p:sp>
-        <p:nvSpPr>
-          <p:cNvPr id="2" name="ZoneTexte 1"/>
-          <p:cNvSpPr txBox="1"/>
-          <p:nvPr/>
-        </p:nvSpPr>
-        <p:spPr>
-          <a:xfrm>
-            <a:off x="10938933" y="4131733"/>
-            <a:ext cx="184666" cy="369332"/>
-          </a:xfrm>
-          <a:prstGeom prst="rect">
-            <a:avLst/>
-          </a:prstGeom>
-          <a:noFill/>
-        </p:spPr>
-        <p:txBody>
-          <a:bodyPr wrap="none" rtlCol="0">
-            <a:spAutoFit/>
-          </a:bodyPr>
-          <a:lstStyle/>
-          <a:p>
-            <a:endParaRPr lang="fr-FR" dirty="0"/>
-          </a:p>
-        </p:txBody>
-      </p:sp>
-      <p:sp>
-        <p:nvSpPr>
-          <p:cNvPr id="19" name="Rectangle 18"/>
-          <p:cNvSpPr/>
-          <p:nvPr/>
-        </p:nvSpPr>
-        <p:spPr>
-          <a:xfrm>
-            <a:off x="-1" y="6648379"/>
-            <a:ext cx="9157961" cy="193746"/>
-          </a:xfrm>
-          <a:prstGeom prst="rect">
-            <a:avLst/>
-          </a:prstGeom>
-          <a:solidFill>
-            <a:schemeClr val="lt1">
-              <a:alpha val="50000"/>
-            </a:schemeClr>
-          </a:solidFill>
-          <a:ln>
-            <a:noFill/>
-          </a:ln>
-          <a:effectLst>
-            <a:outerShdw blurRad="63500" dir="13500000" sx="117000" sy="117000" kx="2700000" rotWithShape="0">
-              <a:srgbClr val="000000">
-                <a:alpha val="51000"/>
-              </a:srgbClr>
-            </a:outerShdw>
-          </a:effectLst>
-        </p:spPr>
-        <p:style>
-          <a:lnRef idx="2">
-            <a:schemeClr val="dk1"/>
-          </a:lnRef>
-          <a:fillRef idx="1">
-            <a:schemeClr val="lt1"/>
-          </a:fillRef>
-          <a:effectRef idx="0">
-            <a:schemeClr val="dk1"/>
-          </a:effectRef>
-          <a:fontRef idx="minor">
-            <a:schemeClr val="dk1"/>
-          </a:fontRef>
-        </p:style>
-        <p:txBody>
-          <a:bodyPr rtlCol="0" anchor="ctr"/>
-          <a:lstStyle/>
-          <a:p>
-            <a:pPr algn="ctr"/>
-            <a:r>
-              <a:rPr lang="en-US" sz="1200" b="1" dirty="0">
-                <a:solidFill>
-                  <a:srgbClr val="7F7F7F"/>
-                </a:solidFill>
-                <a:latin typeface="Geneva"/>
-                <a:cs typeface="Geneva"/>
-              </a:rPr>
-              <a:t>Parcours</a:t>
-            </a:r>
-            <a:r>
-              <a:rPr lang="en-US" sz="1200" b="1" dirty="0" smtClean="0">
-                <a:solidFill>
-                  <a:srgbClr val="7F7F7F"/>
-                </a:solidFill>
-                <a:latin typeface="Geneva"/>
-                <a:cs typeface="Geneva"/>
-              </a:rPr>
-              <a:t>	–</a:t>
-            </a:r>
-            <a:r>
-              <a:rPr lang="en-US" sz="1200" b="1" dirty="0" smtClean="0">
-                <a:latin typeface="Geneva"/>
-                <a:cs typeface="Geneva"/>
-              </a:rPr>
-              <a:t>	Travaux	</a:t>
-            </a:r>
-            <a:r>
-              <a:rPr lang="en-US" sz="1200" b="1" dirty="0" smtClean="0">
-                <a:solidFill>
-                  <a:srgbClr val="7F7F7F"/>
-                </a:solidFill>
-                <a:latin typeface="Geneva"/>
-                <a:cs typeface="Geneva"/>
-              </a:rPr>
-              <a:t>-	Projet de recherche	-	Enseignement</a:t>
-            </a:r>
-            <a:r>
-              <a:rPr lang="en-US" sz="1200" b="1" dirty="0" smtClean="0">
-                <a:latin typeface="Geneva"/>
-                <a:cs typeface="Geneva"/>
-              </a:rPr>
-              <a:t>				</a:t>
-            </a:r>
-            <a:endParaRPr lang="en-US" sz="1200" b="1" dirty="0">
-              <a:latin typeface="Geneva"/>
-              <a:cs typeface="Geneva"/>
-            </a:endParaRPr>
-          </a:p>
-        </p:txBody>
-      </p:sp>
-      <p:sp>
-        <p:nvSpPr>
-          <p:cNvPr id="14" name="Rectangle 13"/>
-          <p:cNvSpPr/>
-          <p:nvPr/>
-        </p:nvSpPr>
-        <p:spPr>
-          <a:xfrm>
-            <a:off x="588562" y="1228490"/>
-            <a:ext cx="8224371" cy="600164"/>
-          </a:xfrm>
-          <a:prstGeom prst="rect">
-            <a:avLst/>
-          </a:prstGeom>
-        </p:spPr>
-        <p:txBody>
-          <a:bodyPr wrap="square">
-            <a:spAutoFit/>
-          </a:bodyPr>
-          <a:lstStyle/>
-          <a:p>
-            <a:pPr marL="171450" lvl="0" indent="-171450">
-              <a:lnSpc>
-                <a:spcPct val="200000"/>
-              </a:lnSpc>
-              <a:buSzPct val="100000"/>
-              <a:buBlip>
-                <a:blip r:embed="rId3"/>
-              </a:buBlip>
-            </a:pPr>
-            <a:r>
-              <a:rPr lang="en-US">
-                <a:solidFill>
-                  <a:srgbClr val="000000"/>
-                </a:solidFill>
-                <a:latin typeface="Geneva"/>
-                <a:cs typeface="Geneva"/>
-              </a:rPr>
-              <a:t> X</a:t>
-            </a:r>
-          </a:p>
-        </p:txBody>
-      </p:sp>
-    </p:spTree>
-    <p:extLst>
-      <p:ext uri="{BB962C8B-B14F-4D97-AF65-F5344CB8AC3E}">
-        <p14:creationId xmlns:p14="http://schemas.microsoft.com/office/powerpoint/2010/main" val="3843118602"/>
       </p:ext>
     </p:extLst>
   </p:cSld>
